--- a/apresentacaoLLM.pptx
+++ b/apresentacaoLLM.pptx
@@ -24,7 +24,6 @@
     <p:sldId id="262" r:id="rId19"/>
     <p:sldId id="263" r:id="rId20"/>
     <p:sldId id="264" r:id="rId21"/>
-    <p:sldId id="265" r:id="rId22"/>
   </p:sldIdLst>
   <p:sldSz cx="18288000" cy="10287000"/>
   <p:notesSz cx="7559675" cy="10691813"/>
@@ -162,7 +161,7 @@
         <p:txBody>
           <a:bodyPr/>
           <a:p>
-            <a:fld id="{B95485FD-53F4-47C1-9697-98FC8CED49E1}" type="slidenum">
+            <a:fld id="{52E66F9B-36CB-4884-AC4F-F77318D8C482}" type="slidenum">
               <a:t>&lt;#&gt;</a:t>
             </a:fld>
           </a:p>
@@ -245,7 +244,7 @@
         <p:txBody>
           <a:bodyPr/>
           <a:p>
-            <a:fld id="{048E14DF-EB58-4909-B6BA-075C963F74BC}" type="slidenum">
+            <a:fld id="{03036749-284A-4E3B-B770-251D9FC03582}" type="slidenum">
               <a:t>&lt;#&gt;</a:t>
             </a:fld>
           </a:p>
@@ -328,7 +327,7 @@
         <p:txBody>
           <a:bodyPr/>
           <a:p>
-            <a:fld id="{29D158F0-08C4-4365-A247-F2E67D3413E1}" type="slidenum">
+            <a:fld id="{B0B75750-B874-444A-953B-57173DE65F64}" type="slidenum">
               <a:t>&lt;#&gt;</a:t>
             </a:fld>
           </a:p>
@@ -411,7 +410,7 @@
         <p:txBody>
           <a:bodyPr/>
           <a:p>
-            <a:fld id="{AB537EEA-09C9-47A4-97AC-980DE9979451}" type="slidenum">
+            <a:fld id="{3DBD542F-E6BC-4562-BF7D-0A7F284B0502}" type="slidenum">
               <a:t>&lt;#&gt;</a:t>
             </a:fld>
           </a:p>
@@ -494,7 +493,7 @@
         <p:txBody>
           <a:bodyPr/>
           <a:p>
-            <a:fld id="{2DD74FFB-1A45-4654-8965-2F78D520C57F}" type="slidenum">
+            <a:fld id="{CC114C1B-2B54-4FB6-AC68-9D10C6FDFF02}" type="slidenum">
               <a:t>&lt;#&gt;</a:t>
             </a:fld>
           </a:p>
@@ -660,7 +659,7 @@
         <p:txBody>
           <a:bodyPr/>
           <a:p>
-            <a:fld id="{71EFAAB0-4D2C-4069-91F7-34A6CE097744}" type="slidenum">
+            <a:fld id="{C637498A-3C78-485C-AC49-2C7EF572CF0E}" type="slidenum">
               <a:t>&lt;#&gt;</a:t>
             </a:fld>
           </a:p>
@@ -743,7 +742,7 @@
         <p:txBody>
           <a:bodyPr/>
           <a:p>
-            <a:fld id="{F8196B64-9664-40DA-8C36-2DC691176C62}" type="slidenum">
+            <a:fld id="{BAE8C468-F9BB-49E6-AC89-F2D5EC7AE880}" type="slidenum">
               <a:t>&lt;#&gt;</a:t>
             </a:fld>
           </a:p>
@@ -952,7 +951,7 @@
         <p:txBody>
           <a:bodyPr/>
           <a:p>
-            <a:fld id="{2E484F6B-F8A8-4E43-B5E2-43F96E68D4FF}" type="slidenum">
+            <a:fld id="{F4E61FD2-A7AB-4123-BD74-8052768551D1}" type="slidenum">
               <a:t>&lt;#&gt;</a:t>
             </a:fld>
           </a:p>
@@ -1035,7 +1034,7 @@
         <p:txBody>
           <a:bodyPr/>
           <a:p>
-            <a:fld id="{E11D69F5-F0EB-42E7-8E3C-22B803BCFCEC}" type="slidenum">
+            <a:fld id="{5C4608D2-7911-44F4-9EFE-847C834B706E}" type="slidenum">
               <a:t>&lt;#&gt;</a:t>
             </a:fld>
           </a:p>
@@ -1158,7 +1157,7 @@
         <p:txBody>
           <a:bodyPr/>
           <a:p>
-            <a:fld id="{2D311EA5-7206-461E-9724-B11967A7F24B}" type="slidenum">
+            <a:fld id="{512317E8-52C4-41A3-A1A4-A7109D1FD57D}" type="slidenum">
               <a:t>&lt;#&gt;</a:t>
             </a:fld>
           </a:p>
@@ -1241,7 +1240,7 @@
         <p:txBody>
           <a:bodyPr/>
           <a:p>
-            <a:fld id="{42D91EF4-E7A0-4C8B-86E2-8F7DF38F82A8}" type="slidenum">
+            <a:fld id="{95740905-9C9C-4FF2-A4AC-0DAD747C16C4}" type="slidenum">
               <a:t>&lt;#&gt;</a:t>
             </a:fld>
           </a:p>
@@ -1338,34 +1337,7 @@
                 </a:solidFill>
                 <a:latin typeface="Calibri"/>
               </a:rPr>
-              <a:t>Click to </a:t>
-            </a:r>
-            <a:r>
-              <a:rPr b="0" lang="en-US" sz="4400" spc="-1" strike="noStrike">
-                <a:solidFill>
-                  <a:schemeClr val="dk1"/>
-                </a:solidFill>
-                <a:latin typeface="Calibri"/>
-              </a:rPr>
-              <a:t>edit </a:t>
-            </a:r>
-            <a:r>
-              <a:rPr b="0" lang="en-US" sz="4400" spc="-1" strike="noStrike">
-                <a:solidFill>
-                  <a:schemeClr val="dk1"/>
-                </a:solidFill>
-                <a:latin typeface="Calibri"/>
-              </a:rPr>
-              <a:t>Master </a:t>
-            </a:r>
-            <a:r>
-              <a:rPr b="0" lang="en-US" sz="4400" spc="-1" strike="noStrike">
-                <a:solidFill>
-                  <a:schemeClr val="dk1"/>
-                </a:solidFill>
-                <a:latin typeface="Calibri"/>
-              </a:rPr>
-              <a:t>title style</a:t>
+              <a:t>Click to edit Master title style</a:t>
             </a:r>
             <a:endParaRPr b="0" lang="en-US" sz="4400" spc="-1" strike="noStrike">
               <a:solidFill>
@@ -1556,7 +1528,7 @@
               </a:lnSpc>
               <a:buNone/>
             </a:pPr>
-            <a:fld id="{9E9D1957-78DC-4D04-954A-0161E18BEB19}" type="slidenum">
+            <a:fld id="{9482DA21-F2FF-47EA-96A8-430E9E523BE3}" type="slidenum">
               <a:rPr b="0" lang="en-US" sz="1200" spc="-1" strike="noStrike">
                 <a:solidFill>
                   <a:schemeClr val="dk1">
@@ -2078,7 +2050,7 @@
               </a:lnSpc>
               <a:buNone/>
             </a:pPr>
-            <a:fld id="{3378583C-E889-4993-80CF-0B8153EB4B37}" type="slidenum">
+            <a:fld id="{9EB8B7DE-9885-4852-A7E5-6BB6C8E8A23C}" type="slidenum">
               <a:rPr b="0" lang="en-US" sz="1200" spc="-1" strike="noStrike">
                 <a:solidFill>
                   <a:schemeClr val="dk1">
@@ -2646,7 +2618,7 @@
               </a:lnSpc>
               <a:buNone/>
             </a:pPr>
-            <a:fld id="{5D9DE10B-2F2E-4313-905F-F088ECE77620}" type="slidenum">
+            <a:fld id="{05A76364-BD12-4931-A9BB-E29010442CBF}" type="slidenum">
               <a:rPr b="0" lang="en-US" sz="1200" spc="-1" strike="noStrike">
                 <a:solidFill>
                   <a:schemeClr val="dk1">
@@ -3110,7 +3082,7 @@
               </a:lnSpc>
               <a:buNone/>
             </a:pPr>
-            <a:fld id="{6839974D-2531-4A0A-9D58-921127EFDEC4}" type="slidenum">
+            <a:fld id="{E3692C69-8295-40A8-90AA-5D7C2888521E}" type="slidenum">
               <a:rPr b="0" lang="en-US" sz="1200" spc="-1" strike="noStrike">
                 <a:solidFill>
                   <a:schemeClr val="dk1">
@@ -3574,7 +3546,7 @@
               </a:lnSpc>
               <a:buNone/>
             </a:pPr>
-            <a:fld id="{51089EB9-DD8F-404B-B9BB-C0ACA12E43EA}" type="slidenum">
+            <a:fld id="{F670B9F8-F063-4A56-8308-5B64C899E861}" type="slidenum">
               <a:rPr b="0" lang="en-US" sz="1200" spc="-1" strike="noStrike">
                 <a:solidFill>
                   <a:schemeClr val="dk1">
@@ -4038,7 +4010,7 @@
               </a:lnSpc>
               <a:buNone/>
             </a:pPr>
-            <a:fld id="{0150B388-A9F8-4AF4-8148-FCF25E4DEA42}" type="slidenum">
+            <a:fld id="{7444791A-87D6-4C0B-9D95-222AA0C7E117}" type="slidenum">
               <a:rPr b="0" lang="en-US" sz="1200" spc="-1" strike="noStrike">
                 <a:solidFill>
                   <a:schemeClr val="dk1">
@@ -4383,7 +4355,7 @@
               </a:lnSpc>
               <a:buNone/>
             </a:pPr>
-            <a:fld id="{3001F610-97D0-4C13-8623-ADE00A4BAE32}" type="slidenum">
+            <a:fld id="{4CB65E48-9F34-4CD7-98D7-40CEEE4E41E6}" type="slidenum">
               <a:rPr b="0" lang="en-US" sz="1200" spc="-1" strike="noStrike">
                 <a:solidFill>
                   <a:schemeClr val="dk1">
@@ -5026,7 +4998,7 @@
               </a:lnSpc>
               <a:buNone/>
             </a:pPr>
-            <a:fld id="{0989060B-50DF-4BFA-BBDD-E2146B712D7F}" type="slidenum">
+            <a:fld id="{1A4CB725-9EF6-481E-A986-6CF731166EB8}" type="slidenum">
               <a:rPr b="0" lang="en-US" sz="1200" spc="-1" strike="noStrike">
                 <a:solidFill>
                   <a:schemeClr val="dk1">
@@ -5785,7 +5757,7 @@
               </a:lnSpc>
               <a:buNone/>
             </a:pPr>
-            <a:fld id="{41B71005-3924-4DD7-8B46-07B52EEFFA3B}" type="slidenum">
+            <a:fld id="{EAAD677E-EE9B-47EF-9B51-463F879926B6}" type="slidenum">
               <a:rPr b="0" lang="en-US" sz="1200" spc="-1" strike="noStrike">
                 <a:solidFill>
                   <a:schemeClr val="dk1">
@@ -6070,7 +6042,7 @@
               </a:lnSpc>
               <a:buNone/>
             </a:pPr>
-            <a:fld id="{4445F149-3D35-4C97-9743-C498916CD936}" type="slidenum">
+            <a:fld id="{3B594C13-8DF2-4F7B-97B6-11F9D84DB8E7}" type="slidenum">
               <a:rPr b="0" lang="en-US" sz="1200" spc="-1" strike="noStrike">
                 <a:solidFill>
                   <a:schemeClr val="dk1">
@@ -6303,7 +6275,7 @@
               </a:lnSpc>
               <a:buNone/>
             </a:pPr>
-            <a:fld id="{59A026CF-92D6-44DD-868C-4F18D984B32B}" type="slidenum">
+            <a:fld id="{7E7E6AE5-094C-409D-87ED-8ECB8D9C528B}" type="slidenum">
               <a:rPr b="0" lang="en-US" sz="1200" spc="-1" strike="noStrike">
                 <a:solidFill>
                   <a:schemeClr val="dk1">
@@ -6983,8 +6955,8 @@
         </p:nvSpPr>
         <p:spPr>
           <a:xfrm>
-            <a:off x="6804720" y="3218760"/>
-            <a:ext cx="4677840" cy="4266720"/>
+            <a:off x="6804720" y="2032560"/>
+            <a:ext cx="4677840" cy="4267440"/>
           </a:xfrm>
           <a:prstGeom prst="rect">
             <a:avLst/>
@@ -7252,8 +7224,8 @@
         </p:nvSpPr>
         <p:spPr>
           <a:xfrm>
-            <a:off x="5771160" y="7740000"/>
-            <a:ext cx="6648840" cy="643680"/>
+            <a:off x="5940000" y="7740000"/>
+            <a:ext cx="243360" cy="346320"/>
           </a:xfrm>
           <a:prstGeom prst="rect">
             <a:avLst/>
@@ -7277,6 +7249,53 @@
                 <a:ea typeface="Noto Sans CJK SC"/>
               </a:rPr>
               <a:t> </a:t>
+            </a:r>
+            <a:endParaRPr b="0" lang="pt-BR" sz="1800" spc="-1" strike="noStrike">
+              <a:solidFill>
+                <a:srgbClr val="000000"/>
+              </a:solidFill>
+              <a:latin typeface="Arial"/>
+            </a:endParaRPr>
+          </a:p>
+        </p:txBody>
+      </p:sp>
+      <p:sp>
+        <p:nvSpPr>
+          <p:cNvPr id="78" name=""/>
+          <p:cNvSpPr txBox="1"/>
+          <p:nvPr/>
+        </p:nvSpPr>
+        <p:spPr>
+          <a:xfrm>
+            <a:off x="5400000" y="6480000"/>
+            <a:ext cx="7380000" cy="1260000"/>
+          </a:xfrm>
+          <a:prstGeom prst="rect">
+            <a:avLst/>
+          </a:prstGeom>
+          <a:noFill/>
+          <a:ln w="0">
+            <a:noFill/>
+          </a:ln>
+        </p:spPr>
+        <p:txBody>
+          <a:bodyPr lIns="90000" rIns="90000" tIns="45000" bIns="45000" anchor="t">
+            <a:noAutofit/>
+          </a:bodyPr>
+          <a:p>
+            <a:pPr defTabSz="914400">
+              <a:lnSpc>
+                <a:spcPts val="3200"/>
+              </a:lnSpc>
+            </a:pPr>
+            <a:r>
+              <a:rPr b="0" lang="en-US" sz="3200" spc="-1" strike="noStrike">
+                <a:solidFill>
+                  <a:srgbClr val="000000"/>
+                </a:solidFill>
+                <a:latin typeface="Formata 1"/>
+              </a:rPr>
+              <a:t>    </a:t>
             </a:r>
             <a:r>
               <a:rPr b="0" lang="en-US" sz="3200" spc="-1" strike="noStrike">
@@ -7310,7 +7329,7 @@
 </p:sld>
 </file>
 
-<file path=ppt/slides/slide10.xml><?xml version="1.0" encoding="utf-8"?>
+<file path=ppt/slides/slide2.xml><?xml version="1.0" encoding="utf-8"?>
 <p:sld xmlns:a="http://schemas.openxmlformats.org/drawingml/2006/main" xmlns:p="http://schemas.openxmlformats.org/presentationml/2006/main" xmlns:r="http://schemas.openxmlformats.org/officeDocument/2006/relationships" xmlns:p14="http://schemas.microsoft.com/office/powerpoint/2010/main" xmlns:p15="http://schemas.microsoft.com/office/powerpoint/2012/main" xmlns:mc="http://schemas.openxmlformats.org/markup-compatibility/2006">
   <p:cSld>
     <p:spTree>
@@ -7329,7 +7348,7 @@
       </p:grpSpPr>
       <p:grpSp>
         <p:nvGrpSpPr>
-          <p:cNvPr id="170" name="Group 6"/>
+          <p:cNvPr id="79" name="Group 2"/>
           <p:cNvGrpSpPr/>
           <p:nvPr/>
         </p:nvGrpSpPr>
@@ -7343,7 +7362,7 @@
         </p:grpSpPr>
         <p:sp>
           <p:nvSpPr>
-            <p:cNvPr id="171" name="Freeform 26"/>
+            <p:cNvPr id="80" name="Freeform 3"/>
             <p:cNvSpPr/>
             <p:nvPr/>
           </p:nvSpPr>
@@ -7407,7 +7426,7 @@
         </p:sp>
         <p:sp>
           <p:nvSpPr>
-            <p:cNvPr id="172" name="TextBox 21"/>
+            <p:cNvPr id="81" name="TextBox 4"/>
             <p:cNvSpPr/>
             <p:nvPr/>
           </p:nvSpPr>
@@ -7462,7 +7481,7 @@
       </p:grpSp>
       <p:sp>
         <p:nvSpPr>
-          <p:cNvPr id="173" name="Freeform 27"/>
+          <p:cNvPr id="82" name="Freeform 5"/>
           <p:cNvSpPr/>
           <p:nvPr/>
         </p:nvSpPr>
@@ -7539,7 +7558,7 @@
       </p:sp>
       <p:sp>
         <p:nvSpPr>
-          <p:cNvPr id="174" name="Freeform 28"/>
+          <p:cNvPr id="83" name="Freeform 6"/>
           <p:cNvSpPr/>
           <p:nvPr/>
         </p:nvSpPr>
@@ -7610,7 +7629,7 @@
       </p:sp>
       <p:sp>
         <p:nvSpPr>
-          <p:cNvPr id="175" name="Freeform 29"/>
+          <p:cNvPr id="84" name="Freeform 7"/>
           <p:cNvSpPr/>
           <p:nvPr/>
         </p:nvSpPr>
@@ -7681,7 +7700,7 @@
       </p:sp>
       <p:sp>
         <p:nvSpPr>
-          <p:cNvPr id="176" name="TextBox 22"/>
+          <p:cNvPr id="85" name="TextBox 8"/>
           <p:cNvSpPr/>
           <p:nvPr/>
         </p:nvSpPr>
@@ -7722,7 +7741,7 @@
                 <a:latin typeface="Formata 2 Medium"/>
                 <a:ea typeface="Formata 2 Medium"/>
               </a:rPr>
-              <a:t>Fontes:</a:t>
+              <a:t>O que é uma LLM?</a:t>
             </a:r>
             <a:endParaRPr b="0" lang="pt-BR" sz="5200" spc="-1" strike="noStrike">
               <a:solidFill>
@@ -7735,7 +7754,7 @@
       </p:sp>
       <p:sp>
         <p:nvSpPr>
-          <p:cNvPr id="177" name="TextBox 23"/>
+          <p:cNvPr id="86" name="TextBox 9"/>
           <p:cNvSpPr/>
           <p:nvPr/>
         </p:nvSpPr>
@@ -7763,6 +7782,11 @@
             <a:spAutoFit/>
           </a:bodyPr>
           <a:p>
+            <a:pPr defTabSz="914400">
+              <a:lnSpc>
+                <a:spcPts val="3200"/>
+              </a:lnSpc>
+            </a:pPr>
             <a:endParaRPr b="0" lang="pt-BR" sz="1800" spc="-1" strike="noStrike">
               <a:solidFill>
                 <a:srgbClr val="000000"/>
@@ -7774,7 +7798,7 @@
       </p:sp>
       <p:sp>
         <p:nvSpPr>
-          <p:cNvPr id="178" name="TextBox 24"/>
+          <p:cNvPr id="87" name="TextBox 10"/>
           <p:cNvSpPr/>
           <p:nvPr/>
         </p:nvSpPr>
@@ -7851,7 +7875,7 @@
       </p:sp>
       <p:sp>
         <p:nvSpPr>
-          <p:cNvPr id="179" name="Freeform 30"/>
+          <p:cNvPr id="88" name="Freeform 11"/>
           <p:cNvSpPr/>
           <p:nvPr/>
         </p:nvSpPr>
@@ -7922,7 +7946,7 @@
       </p:sp>
       <p:sp>
         <p:nvSpPr>
-          <p:cNvPr id="180" name=""/>
+          <p:cNvPr id="89" name=""/>
           <p:cNvSpPr txBox="1"/>
           <p:nvPr/>
         </p:nvSpPr>
@@ -7957,7 +7981,7 @@
                 <a:latin typeface="Formata 1"/>
                 <a:ea typeface="Formata 1"/>
               </a:rPr>
-              <a:t>1) https://arxiv.org/abs/1706.03762</a:t>
+              <a:t>1) LLM: Large Language Models;</a:t>
             </a:r>
             <a:endParaRPr b="0" lang="pt-BR" sz="3200" spc="-1" strike="noStrike">
               <a:solidFill>
@@ -7973,6 +7997,14 @@
               </a:lnSpc>
             </a:pPr>
             <a:endParaRPr b="0" lang="pt-BR" sz="3200" spc="-1" strike="noStrike">
+              <a:solidFill>
+                <a:srgbClr val="000000"/>
+              </a:solidFill>
+              <a:latin typeface="Arial"/>
+            </a:endParaRPr>
+          </a:p>
+          <a:p>
+            <a:endParaRPr b="0" lang="pt-BR" sz="1800" spc="-1" strike="noStrike">
               <a:solidFill>
                 <a:srgbClr val="000000"/>
               </a:solidFill>
@@ -7993,7 +8025,7 @@
                 <a:latin typeface="Formata 1"/>
                 <a:ea typeface="Formata 1"/>
               </a:rPr>
-              <a:t>2) https://learnopencv.com/deciphering-llms/</a:t>
+              <a:t>2) Modelos de lingaugem treinados em grande volume de texto;</a:t>
             </a:r>
             <a:endParaRPr b="0" lang="pt-BR" sz="3200" spc="-1" strike="noStrike">
               <a:solidFill>
@@ -8009,6 +8041,14 @@
               </a:lnSpc>
             </a:pPr>
             <a:endParaRPr b="0" lang="pt-BR" sz="3200" spc="-1" strike="noStrike">
+              <a:solidFill>
+                <a:srgbClr val="000000"/>
+              </a:solidFill>
+              <a:latin typeface="Arial"/>
+            </a:endParaRPr>
+          </a:p>
+          <a:p>
+            <a:endParaRPr b="0" lang="pt-BR" sz="1800" spc="-1" strike="noStrike">
               <a:solidFill>
                 <a:srgbClr val="000000"/>
               </a:solidFill>
@@ -8029,7 +8069,7 @@
                 <a:latin typeface="Formata 1"/>
                 <a:ea typeface="Formata 1"/>
               </a:rPr>
-              <a:t>3)</a:t>
+              <a:t>3) Capazes de gerar, completar, traduzir, …, texto;</a:t>
             </a:r>
             <a:endParaRPr b="0" lang="pt-BR" sz="3200" spc="-1" strike="noStrike">
               <a:solidFill>
@@ -8045,6 +8085,14 @@
               </a:lnSpc>
             </a:pPr>
             <a:endParaRPr b="0" lang="pt-BR" sz="3200" spc="-1" strike="noStrike">
+              <a:solidFill>
+                <a:srgbClr val="000000"/>
+              </a:solidFill>
+              <a:latin typeface="Arial"/>
+            </a:endParaRPr>
+          </a:p>
+          <a:p>
+            <a:endParaRPr b="0" lang="pt-BR" sz="1800" spc="-1" strike="noStrike">
               <a:solidFill>
                 <a:srgbClr val="000000"/>
               </a:solidFill>
@@ -8065,57 +8113,8 @@
                 <a:latin typeface="Formata 1"/>
                 <a:ea typeface="Formata 1"/>
               </a:rPr>
-              <a:t>4)</a:t>
-            </a:r>
-            <a:endParaRPr b="0" lang="pt-BR" sz="3200" spc="-1" strike="noStrike">
-              <a:solidFill>
-                <a:srgbClr val="000000"/>
-              </a:solidFill>
-              <a:latin typeface="Arial"/>
-            </a:endParaRPr>
-          </a:p>
-          <a:p>
-            <a:pPr defTabSz="914400">
-              <a:lnSpc>
-                <a:spcPts val="3200"/>
-              </a:lnSpc>
-            </a:pPr>
-            <a:endParaRPr b="0" lang="pt-BR" sz="3200" spc="-1" strike="noStrike">
-              <a:solidFill>
-                <a:srgbClr val="000000"/>
-              </a:solidFill>
-              <a:latin typeface="Arial"/>
-            </a:endParaRPr>
-          </a:p>
-          <a:p>
-            <a:pPr defTabSz="914400">
-              <a:lnSpc>
-                <a:spcPts val="3200"/>
-              </a:lnSpc>
-            </a:pPr>
-            <a:r>
-              <a:rPr b="0" lang="en-US" sz="3200" spc="-1" strike="noStrike">
-                <a:solidFill>
-                  <a:srgbClr val="000000"/>
-                </a:solidFill>
-                <a:latin typeface="Formata 1"/>
-                <a:ea typeface="Formata 1"/>
-              </a:rPr>
-              <a:t>5)</a:t>
-            </a:r>
-            <a:endParaRPr b="0" lang="pt-BR" sz="3200" spc="-1" strike="noStrike">
-              <a:solidFill>
-                <a:srgbClr val="000000"/>
-              </a:solidFill>
-              <a:latin typeface="Arial"/>
-            </a:endParaRPr>
-          </a:p>
-          <a:p>
-            <a:pPr defTabSz="914400">
-              <a:lnSpc>
-                <a:spcPts val="3200"/>
-              </a:lnSpc>
-            </a:pPr>
+              <a:t>4) Exemplos: ChatGPT, Gemini, DeepSeek, LLaMA.</a:t>
+            </a:r>
             <a:endParaRPr b="0" lang="pt-BR" sz="3200" spc="-1" strike="noStrike">
               <a:solidFill>
                 <a:srgbClr val="000000"/>
@@ -8138,7 +8137,7 @@
 </p:sld>
 </file>
 
-<file path=ppt/slides/slide2.xml><?xml version="1.0" encoding="utf-8"?>
+<file path=ppt/slides/slide3.xml><?xml version="1.0" encoding="utf-8"?>
 <p:sld xmlns:a="http://schemas.openxmlformats.org/drawingml/2006/main" xmlns:p="http://schemas.openxmlformats.org/presentationml/2006/main" xmlns:r="http://schemas.openxmlformats.org/officeDocument/2006/relationships" xmlns:p14="http://schemas.microsoft.com/office/powerpoint/2010/main" xmlns:p15="http://schemas.microsoft.com/office/powerpoint/2012/main" xmlns:mc="http://schemas.openxmlformats.org/markup-compatibility/2006">
   <p:cSld>
     <p:spTree>
@@ -8157,7 +8156,7 @@
       </p:grpSpPr>
       <p:grpSp>
         <p:nvGrpSpPr>
-          <p:cNvPr id="78" name="Group 2"/>
+          <p:cNvPr id="90" name="Group 3"/>
           <p:cNvGrpSpPr/>
           <p:nvPr/>
         </p:nvGrpSpPr>
@@ -8171,7 +8170,7 @@
         </p:grpSpPr>
         <p:sp>
           <p:nvSpPr>
-            <p:cNvPr id="79" name="Freeform 3"/>
+            <p:cNvPr id="91" name="Freeform 10"/>
             <p:cNvSpPr/>
             <p:nvPr/>
           </p:nvSpPr>
@@ -8235,7 +8234,7 @@
         </p:sp>
         <p:sp>
           <p:nvSpPr>
-            <p:cNvPr id="80" name="TextBox 4"/>
+            <p:cNvPr id="92" name="TextBox 6"/>
             <p:cNvSpPr/>
             <p:nvPr/>
           </p:nvSpPr>
@@ -8290,7 +8289,7 @@
       </p:grpSp>
       <p:sp>
         <p:nvSpPr>
-          <p:cNvPr id="81" name="Freeform 5"/>
+          <p:cNvPr id="93" name="Freeform 12"/>
           <p:cNvSpPr/>
           <p:nvPr/>
         </p:nvSpPr>
@@ -8367,7 +8366,7 @@
       </p:sp>
       <p:sp>
         <p:nvSpPr>
-          <p:cNvPr id="82" name="Freeform 6"/>
+          <p:cNvPr id="94" name="Freeform 13"/>
           <p:cNvSpPr/>
           <p:nvPr/>
         </p:nvSpPr>
@@ -8438,7 +8437,7 @@
       </p:sp>
       <p:sp>
         <p:nvSpPr>
-          <p:cNvPr id="83" name="Freeform 7"/>
+          <p:cNvPr id="95" name="Freeform 14"/>
           <p:cNvSpPr/>
           <p:nvPr/>
         </p:nvSpPr>
@@ -8509,7 +8508,7 @@
       </p:sp>
       <p:sp>
         <p:nvSpPr>
-          <p:cNvPr id="84" name="TextBox 8"/>
+          <p:cNvPr id="96" name="TextBox 7"/>
           <p:cNvSpPr/>
           <p:nvPr/>
         </p:nvSpPr>
@@ -8550,7 +8549,7 @@
                 <a:latin typeface="Formata 2 Medium"/>
                 <a:ea typeface="Formata 2 Medium"/>
               </a:rPr>
-              <a:t>O que é uma LLM?</a:t>
+              <a:t>Como funcionam? “Attention is All You Need”</a:t>
             </a:r>
             <a:endParaRPr b="0" lang="pt-BR" sz="5200" spc="-1" strike="noStrike">
               <a:solidFill>
@@ -8563,7 +8562,7 @@
       </p:sp>
       <p:sp>
         <p:nvSpPr>
-          <p:cNvPr id="85" name="TextBox 9"/>
+          <p:cNvPr id="97" name="TextBox 11"/>
           <p:cNvSpPr/>
           <p:nvPr/>
         </p:nvSpPr>
@@ -8591,11 +8590,6 @@
             <a:spAutoFit/>
           </a:bodyPr>
           <a:p>
-            <a:pPr defTabSz="914400">
-              <a:lnSpc>
-                <a:spcPts val="3200"/>
-              </a:lnSpc>
-            </a:pPr>
             <a:endParaRPr b="0" lang="pt-BR" sz="1800" spc="-1" strike="noStrike">
               <a:solidFill>
                 <a:srgbClr val="000000"/>
@@ -8607,7 +8601,7 @@
       </p:sp>
       <p:sp>
         <p:nvSpPr>
-          <p:cNvPr id="86" name="TextBox 10"/>
+          <p:cNvPr id="98" name="TextBox 12"/>
           <p:cNvSpPr/>
           <p:nvPr/>
         </p:nvSpPr>
@@ -8684,7 +8678,7 @@
       </p:sp>
       <p:sp>
         <p:nvSpPr>
-          <p:cNvPr id="87" name="Freeform 11"/>
+          <p:cNvPr id="99" name="Freeform 15"/>
           <p:cNvSpPr/>
           <p:nvPr/>
         </p:nvSpPr>
@@ -8755,14 +8749,14 @@
       </p:sp>
       <p:sp>
         <p:nvSpPr>
-          <p:cNvPr id="88" name=""/>
+          <p:cNvPr id="100" name=""/>
           <p:cNvSpPr txBox="1"/>
           <p:nvPr/>
         </p:nvSpPr>
         <p:spPr>
           <a:xfrm>
             <a:off x="900000" y="3420000"/>
-            <a:ext cx="15891120" cy="5040000"/>
+            <a:ext cx="15891120" cy="6292440"/>
           </a:xfrm>
           <a:prstGeom prst="rect">
             <a:avLst/>
@@ -8790,7 +8784,7 @@
                 <a:latin typeface="Formata 1"/>
                 <a:ea typeface="Formata 1"/>
               </a:rPr>
-              <a:t>1) LLM: Large Language Models;</a:t>
+              <a:t>1) Arquitetura base: </a:t>
             </a:r>
             <a:endParaRPr b="0" lang="pt-BR" sz="3200" spc="-1" strike="noStrike">
               <a:solidFill>
@@ -8806,14 +8800,6 @@
               </a:lnSpc>
             </a:pPr>
             <a:endParaRPr b="0" lang="pt-BR" sz="3200" spc="-1" strike="noStrike">
-              <a:solidFill>
-                <a:srgbClr val="000000"/>
-              </a:solidFill>
-              <a:latin typeface="Arial"/>
-            </a:endParaRPr>
-          </a:p>
-          <a:p>
-            <a:endParaRPr b="0" lang="pt-BR" sz="1800" spc="-1" strike="noStrike">
               <a:solidFill>
                 <a:srgbClr val="000000"/>
               </a:solidFill>
@@ -8834,21 +8820,8 @@
                 <a:latin typeface="Formata 1"/>
                 <a:ea typeface="Formata 1"/>
               </a:rPr>
-              <a:t>2) Modelos de lingaugem treinados em grande volume de texto;</a:t>
-            </a:r>
-            <a:endParaRPr b="0" lang="pt-BR" sz="3200" spc="-1" strike="noStrike">
-              <a:solidFill>
-                <a:srgbClr val="000000"/>
-              </a:solidFill>
-              <a:latin typeface="Arial"/>
-            </a:endParaRPr>
-          </a:p>
-          <a:p>
-            <a:pPr defTabSz="914400">
-              <a:lnSpc>
-                <a:spcPts val="3200"/>
-              </a:lnSpc>
-            </a:pPr>
+              <a:t>Transformes → embeddings + atenção + camadas;</a:t>
+            </a:r>
             <a:endParaRPr b="0" lang="pt-BR" sz="3200" spc="-1" strike="noStrike">
               <a:solidFill>
                 <a:srgbClr val="000000"/>
@@ -8878,30 +8851,9 @@
                 <a:latin typeface="Formata 1"/>
                 <a:ea typeface="Formata 1"/>
               </a:rPr>
-              <a:t>3) Capazes de gerar, completar, traduzir, …, texto;</a:t>
+              <a:t>2) Treinamento: </a:t>
             </a:r>
             <a:endParaRPr b="0" lang="pt-BR" sz="3200" spc="-1" strike="noStrike">
-              <a:solidFill>
-                <a:srgbClr val="000000"/>
-              </a:solidFill>
-              <a:latin typeface="Arial"/>
-            </a:endParaRPr>
-          </a:p>
-          <a:p>
-            <a:pPr defTabSz="914400">
-              <a:lnSpc>
-                <a:spcPts val="3200"/>
-              </a:lnSpc>
-            </a:pPr>
-            <a:endParaRPr b="0" lang="pt-BR" sz="3200" spc="-1" strike="noStrike">
-              <a:solidFill>
-                <a:srgbClr val="000000"/>
-              </a:solidFill>
-              <a:latin typeface="Arial"/>
-            </a:endParaRPr>
-          </a:p>
-          <a:p>
-            <a:endParaRPr b="0" lang="pt-BR" sz="1800" spc="-1" strike="noStrike">
               <a:solidFill>
                 <a:srgbClr val="000000"/>
               </a:solidFill>
@@ -8922,8 +8874,167 @@
                 <a:latin typeface="Formata 1"/>
                 <a:ea typeface="Formata 1"/>
               </a:rPr>
-              <a:t>4) Exemplos: ChatGPT, Gemini, DeepSeek, LLaMA.</a:t>
-            </a:r>
+              <a:t> </a:t>
+            </a:r>
+            <a:endParaRPr b="0" lang="pt-BR" sz="3200" spc="-1" strike="noStrike">
+              <a:solidFill>
+                <a:srgbClr val="000000"/>
+              </a:solidFill>
+              <a:latin typeface="Arial"/>
+            </a:endParaRPr>
+          </a:p>
+          <a:p>
+            <a:pPr defTabSz="914400">
+              <a:lnSpc>
+                <a:spcPts val="3200"/>
+              </a:lnSpc>
+            </a:pPr>
+            <a:r>
+              <a:rPr b="0" lang="en-US" sz="3200" spc="-1" strike="noStrike">
+                <a:solidFill>
+                  <a:srgbClr val="000000"/>
+                </a:solidFill>
+                <a:latin typeface="Formata 1"/>
+                <a:ea typeface="Formata 1"/>
+              </a:rPr>
+              <a:t>Pré-treinamento com uma grande quantidade de texto + previsão de </a:t>
+            </a:r>
+            <a:r>
+              <a:rPr b="0" lang="en-US" sz="3200" spc="-1" strike="noStrike">
+                <a:solidFill>
+                  <a:srgbClr val="000000"/>
+                </a:solidFill>
+                <a:latin typeface="Formata 1"/>
+                <a:ea typeface="Formata 1"/>
+              </a:rPr>
+              <a:t>	</a:t>
+            </a:r>
+            <a:r>
+              <a:rPr b="0" lang="en-US" sz="3200" spc="-1" strike="noStrike">
+                <a:solidFill>
+                  <a:srgbClr val="000000"/>
+                </a:solidFill>
+                <a:latin typeface="Formata 1"/>
+                <a:ea typeface="Formata 1"/>
+              </a:rPr>
+              <a:t>	</a:t>
+            </a:r>
+            <a:r>
+              <a:rPr b="0" lang="en-US" sz="3200" spc="-1" strike="noStrike">
+                <a:solidFill>
+                  <a:srgbClr val="000000"/>
+                </a:solidFill>
+                <a:latin typeface="Formata 1"/>
+                <a:ea typeface="Formata 1"/>
+              </a:rPr>
+              <a:t>       tokens(GPT/BERT ) + fine-tuning + RLHF;</a:t>
+            </a:r>
+            <a:endParaRPr b="0" lang="pt-BR" sz="3200" spc="-1" strike="noStrike">
+              <a:solidFill>
+                <a:srgbClr val="000000"/>
+              </a:solidFill>
+              <a:latin typeface="Arial"/>
+            </a:endParaRPr>
+          </a:p>
+          <a:p>
+            <a:pPr defTabSz="914400">
+              <a:lnSpc>
+                <a:spcPts val="3200"/>
+              </a:lnSpc>
+            </a:pPr>
+            <a:endParaRPr b="0" lang="pt-BR" sz="3200" spc="-1" strike="noStrike">
+              <a:solidFill>
+                <a:srgbClr val="000000"/>
+              </a:solidFill>
+              <a:latin typeface="Arial"/>
+            </a:endParaRPr>
+          </a:p>
+          <a:p>
+            <a:pPr defTabSz="914400">
+              <a:lnSpc>
+                <a:spcPts val="3200"/>
+              </a:lnSpc>
+            </a:pPr>
+            <a:r>
+              <a:rPr b="0" lang="en-US" sz="3200" spc="-1" strike="noStrike">
+                <a:solidFill>
+                  <a:srgbClr val="000000"/>
+                </a:solidFill>
+                <a:latin typeface="Formata 1"/>
+                <a:ea typeface="Formata 1"/>
+              </a:rPr>
+              <a:t>3) Parâmetros:</a:t>
+            </a:r>
+            <a:endParaRPr b="0" lang="pt-BR" sz="3200" spc="-1" strike="noStrike">
+              <a:solidFill>
+                <a:srgbClr val="000000"/>
+              </a:solidFill>
+              <a:latin typeface="Arial"/>
+            </a:endParaRPr>
+          </a:p>
+          <a:p>
+            <a:pPr defTabSz="914400">
+              <a:lnSpc>
+                <a:spcPts val="3200"/>
+              </a:lnSpc>
+            </a:pPr>
+            <a:endParaRPr b="0" lang="pt-BR" sz="3200" spc="-1" strike="noStrike">
+              <a:solidFill>
+                <a:srgbClr val="000000"/>
+              </a:solidFill>
+              <a:latin typeface="Arial"/>
+            </a:endParaRPr>
+          </a:p>
+          <a:p>
+            <a:pPr defTabSz="914400">
+              <a:lnSpc>
+                <a:spcPts val="3200"/>
+              </a:lnSpc>
+            </a:pPr>
+            <a:r>
+              <a:rPr b="0" lang="en-US" sz="3200" spc="-1" strike="noStrike">
+                <a:solidFill>
+                  <a:srgbClr val="000000"/>
+                </a:solidFill>
+                <a:latin typeface="Formata 1"/>
+                <a:ea typeface="Formata 1"/>
+              </a:rPr>
+              <a:t>Milhões até trilhões de parâmetros → custo alto!(memória, processamento,             energia)</a:t>
+            </a:r>
+            <a:endParaRPr b="0" lang="pt-BR" sz="3200" spc="-1" strike="noStrike">
+              <a:solidFill>
+                <a:srgbClr val="000000"/>
+              </a:solidFill>
+              <a:latin typeface="Arial"/>
+            </a:endParaRPr>
+          </a:p>
+          <a:p>
+            <a:pPr defTabSz="914400">
+              <a:lnSpc>
+                <a:spcPts val="3200"/>
+              </a:lnSpc>
+            </a:pPr>
+            <a:endParaRPr b="0" lang="pt-BR" sz="3200" spc="-1" strike="noStrike">
+              <a:solidFill>
+                <a:srgbClr val="000000"/>
+              </a:solidFill>
+              <a:latin typeface="Arial"/>
+            </a:endParaRPr>
+          </a:p>
+          <a:p>
+            <a:endParaRPr b="0" lang="pt-BR" sz="1800" spc="-1" strike="noStrike">
+              <a:solidFill>
+                <a:srgbClr val="000000"/>
+              </a:solidFill>
+              <a:latin typeface="Arial"/>
+            </a:endParaRPr>
+          </a:p>
+          <a:p>
+            <a:pPr defTabSz="914400">
+              <a:lnSpc>
+                <a:spcPts val="3200"/>
+              </a:lnSpc>
+            </a:pPr>
             <a:endParaRPr b="0" lang="pt-BR" sz="3200" spc="-1" strike="noStrike">
               <a:solidFill>
                 <a:srgbClr val="000000"/>
@@ -8946,7 +9057,7 @@
 </p:sld>
 </file>
 
-<file path=ppt/slides/slide3.xml><?xml version="1.0" encoding="utf-8"?>
+<file path=ppt/slides/slide4.xml><?xml version="1.0" encoding="utf-8"?>
 <p:sld xmlns:a="http://schemas.openxmlformats.org/drawingml/2006/main" xmlns:p="http://schemas.openxmlformats.org/presentationml/2006/main" xmlns:r="http://schemas.openxmlformats.org/officeDocument/2006/relationships" xmlns:p14="http://schemas.microsoft.com/office/powerpoint/2010/main" xmlns:p15="http://schemas.microsoft.com/office/powerpoint/2012/main" xmlns:mc="http://schemas.openxmlformats.org/markup-compatibility/2006">
   <p:cSld>
     <p:spTree>
@@ -8965,7 +9076,7 @@
       </p:grpSpPr>
       <p:grpSp>
         <p:nvGrpSpPr>
-          <p:cNvPr id="89" name="Group 3"/>
+          <p:cNvPr id="101" name="Group 7"/>
           <p:cNvGrpSpPr/>
           <p:nvPr/>
         </p:nvGrpSpPr>
@@ -8979,7 +9090,7 @@
         </p:grpSpPr>
         <p:sp>
           <p:nvSpPr>
-            <p:cNvPr id="90" name="Freeform 10"/>
+            <p:cNvPr id="102" name="Freeform 31"/>
             <p:cNvSpPr/>
             <p:nvPr/>
           </p:nvSpPr>
@@ -9043,7 +9154,7 @@
         </p:sp>
         <p:sp>
           <p:nvSpPr>
-            <p:cNvPr id="91" name="TextBox 6"/>
+            <p:cNvPr id="103" name="TextBox 25"/>
             <p:cNvSpPr/>
             <p:nvPr/>
           </p:nvSpPr>
@@ -9098,7 +9209,7 @@
       </p:grpSp>
       <p:sp>
         <p:nvSpPr>
-          <p:cNvPr id="92" name="Freeform 12"/>
+          <p:cNvPr id="104" name="Freeform 32"/>
           <p:cNvSpPr/>
           <p:nvPr/>
         </p:nvSpPr>
@@ -9175,7 +9286,7 @@
       </p:sp>
       <p:sp>
         <p:nvSpPr>
-          <p:cNvPr id="93" name="Freeform 13"/>
+          <p:cNvPr id="105" name="Freeform 33"/>
           <p:cNvSpPr/>
           <p:nvPr/>
         </p:nvSpPr>
@@ -9246,7 +9357,7 @@
       </p:sp>
       <p:sp>
         <p:nvSpPr>
-          <p:cNvPr id="94" name="Freeform 14"/>
+          <p:cNvPr id="106" name="Freeform 34"/>
           <p:cNvSpPr/>
           <p:nvPr/>
         </p:nvSpPr>
@@ -9317,7 +9428,7 @@
       </p:sp>
       <p:sp>
         <p:nvSpPr>
-          <p:cNvPr id="95" name="TextBox 7"/>
+          <p:cNvPr id="107" name="TextBox 26"/>
           <p:cNvSpPr/>
           <p:nvPr/>
         </p:nvSpPr>
@@ -9358,7 +9469,7 @@
                 <a:latin typeface="Formata 2 Medium"/>
                 <a:ea typeface="Formata 2 Medium"/>
               </a:rPr>
-              <a:t>Como funcionam? “Attention is All You Need”</a:t>
+              <a:t>Visualização:</a:t>
             </a:r>
             <a:endParaRPr b="0" lang="pt-BR" sz="5200" spc="-1" strike="noStrike">
               <a:solidFill>
@@ -9371,7 +9482,7 @@
       </p:sp>
       <p:sp>
         <p:nvSpPr>
-          <p:cNvPr id="96" name="TextBox 11"/>
+          <p:cNvPr id="108" name="TextBox 27"/>
           <p:cNvSpPr/>
           <p:nvPr/>
         </p:nvSpPr>
@@ -9410,7 +9521,7 @@
       </p:sp>
       <p:sp>
         <p:nvSpPr>
-          <p:cNvPr id="97" name="TextBox 12"/>
+          <p:cNvPr id="109" name="TextBox 28"/>
           <p:cNvSpPr/>
           <p:nvPr/>
         </p:nvSpPr>
@@ -9487,7 +9598,7 @@
       </p:sp>
       <p:sp>
         <p:nvSpPr>
-          <p:cNvPr id="98" name="Freeform 15"/>
+          <p:cNvPr id="110" name="Freeform 35"/>
           <p:cNvSpPr/>
           <p:nvPr/>
         </p:nvSpPr>
@@ -9556,16 +9667,39 @@
           </a:p>
         </p:txBody>
       </p:sp>
-      <p:sp>
-        <p:nvSpPr>
-          <p:cNvPr id="99" name=""/>
+      <p:pic>
+        <p:nvPicPr>
+          <p:cNvPr id="111" name="" descr=""/>
+          <p:cNvPicPr/>
+          <p:nvPr/>
+        </p:nvPicPr>
+        <p:blipFill>
+          <a:blip r:embed="rId6"/>
+          <a:stretch/>
+        </p:blipFill>
+        <p:spPr>
+          <a:xfrm>
+            <a:off x="1028880" y="3369960"/>
+            <a:ext cx="7314840" cy="4114440"/>
+          </a:xfrm>
+          <a:prstGeom prst="rect">
+            <a:avLst/>
+          </a:prstGeom>
+          <a:ln w="0">
+            <a:noFill/>
+          </a:ln>
+        </p:spPr>
+      </p:pic>
+      <p:sp>
+        <p:nvSpPr>
+          <p:cNvPr id="112" name=""/>
           <p:cNvSpPr txBox="1"/>
           <p:nvPr/>
         </p:nvSpPr>
         <p:spPr>
           <a:xfrm>
-            <a:off x="900000" y="3420000"/>
-            <a:ext cx="15891120" cy="6292440"/>
+            <a:off x="9180000" y="3420000"/>
+            <a:ext cx="8100000" cy="4140000"/>
           </a:xfrm>
           <a:prstGeom prst="rect">
             <a:avLst/>
@@ -9593,7 +9727,7 @@
                 <a:latin typeface="Formata 1"/>
                 <a:ea typeface="Formata 1"/>
               </a:rPr>
-              <a:t>1) Arquitetura base: </a:t>
+              <a:t>1) </a:t>
             </a:r>
             <a:endParaRPr b="0" lang="pt-BR" sz="3200" spc="-1" strike="noStrike">
               <a:solidFill>
@@ -9629,251 +9763,8 @@
                 <a:latin typeface="Formata 1"/>
                 <a:ea typeface="Formata 1"/>
               </a:rPr>
-              <a:t>    </a:t>
-            </a:r>
-            <a:r>
-              <a:rPr b="0" lang="en-US" sz="3200" spc="-1" strike="noStrike">
-                <a:solidFill>
-                  <a:srgbClr val="000000"/>
-                </a:solidFill>
-                <a:latin typeface="Formata 1"/>
-                <a:ea typeface="Formata 1"/>
-              </a:rPr>
-              <a:t>Transformes → embeddings + atenção + camadas;</a:t>
-            </a:r>
-            <a:endParaRPr b="0" lang="pt-BR" sz="3200" spc="-1" strike="noStrike">
-              <a:solidFill>
-                <a:srgbClr val="000000"/>
-              </a:solidFill>
-              <a:latin typeface="Arial"/>
-            </a:endParaRPr>
-          </a:p>
-          <a:p>
-            <a:endParaRPr b="0" lang="pt-BR" sz="1800" spc="-1" strike="noStrike">
-              <a:solidFill>
-                <a:srgbClr val="000000"/>
-              </a:solidFill>
-              <a:latin typeface="Arial"/>
-            </a:endParaRPr>
-          </a:p>
-          <a:p>
-            <a:pPr defTabSz="914400">
-              <a:lnSpc>
-                <a:spcPts val="3200"/>
-              </a:lnSpc>
-            </a:pPr>
-            <a:r>
-              <a:rPr b="0" lang="en-US" sz="3200" spc="-1" strike="noStrike">
-                <a:solidFill>
-                  <a:srgbClr val="000000"/>
-                </a:solidFill>
-                <a:latin typeface="Formata 1"/>
-                <a:ea typeface="Formata 1"/>
-              </a:rPr>
-              <a:t>2) Treinamento: </a:t>
-            </a:r>
-            <a:endParaRPr b="0" lang="pt-BR" sz="3200" spc="-1" strike="noStrike">
-              <a:solidFill>
-                <a:srgbClr val="000000"/>
-              </a:solidFill>
-              <a:latin typeface="Arial"/>
-            </a:endParaRPr>
-          </a:p>
-          <a:p>
-            <a:pPr defTabSz="914400">
-              <a:lnSpc>
-                <a:spcPts val="3200"/>
-              </a:lnSpc>
-            </a:pPr>
-            <a:r>
-              <a:rPr b="0" lang="en-US" sz="3200" spc="-1" strike="noStrike">
-                <a:solidFill>
-                  <a:srgbClr val="000000"/>
-                </a:solidFill>
-                <a:latin typeface="Formata 1"/>
-                <a:ea typeface="Formata 1"/>
-              </a:rPr>
-              <a:t> </a:t>
-            </a:r>
-            <a:endParaRPr b="0" lang="pt-BR" sz="3200" spc="-1" strike="noStrike">
-              <a:solidFill>
-                <a:srgbClr val="000000"/>
-              </a:solidFill>
-              <a:latin typeface="Arial"/>
-            </a:endParaRPr>
-          </a:p>
-          <a:p>
-            <a:pPr defTabSz="914400">
-              <a:lnSpc>
-                <a:spcPts val="3200"/>
-              </a:lnSpc>
-            </a:pPr>
-            <a:r>
-              <a:rPr b="0" lang="en-US" sz="3200" spc="-1" strike="noStrike">
-                <a:solidFill>
-                  <a:srgbClr val="000000"/>
-                </a:solidFill>
-                <a:latin typeface="Formata 1"/>
-                <a:ea typeface="Formata 1"/>
-              </a:rPr>
-              <a:t>     </a:t>
-            </a:r>
-            <a:r>
-              <a:rPr b="0" lang="en-US" sz="3200" spc="-1" strike="noStrike">
-                <a:solidFill>
-                  <a:srgbClr val="000000"/>
-                </a:solidFill>
-                <a:latin typeface="Formata 1"/>
-                <a:ea typeface="Formata 1"/>
-              </a:rPr>
-              <a:t>Pré-treinamento com uma grande quantidade de texto + previsão de </a:t>
-            </a:r>
-            <a:r>
-              <a:rPr b="0" lang="en-US" sz="3200" spc="-1" strike="noStrike">
-                <a:solidFill>
-                  <a:srgbClr val="000000"/>
-                </a:solidFill>
-                <a:latin typeface="Formata 1"/>
-                <a:ea typeface="Formata 1"/>
-              </a:rPr>
-              <a:t>	</a:t>
-            </a:r>
-            <a:r>
-              <a:rPr b="0" lang="en-US" sz="3200" spc="-1" strike="noStrike">
-                <a:solidFill>
-                  <a:srgbClr val="000000"/>
-                </a:solidFill>
-                <a:latin typeface="Formata 1"/>
-                <a:ea typeface="Formata 1"/>
-              </a:rPr>
-              <a:t>	</a:t>
-            </a:r>
-            <a:r>
-              <a:rPr b="0" lang="en-US" sz="3200" spc="-1" strike="noStrike">
-                <a:solidFill>
-                  <a:srgbClr val="000000"/>
-                </a:solidFill>
-                <a:latin typeface="Formata 1"/>
-                <a:ea typeface="Formata 1"/>
-              </a:rPr>
-              <a:t>       tokens(GPT/BERT ) + fine-tuning + RLHF;</a:t>
-            </a:r>
-            <a:endParaRPr b="0" lang="pt-BR" sz="3200" spc="-1" strike="noStrike">
-              <a:solidFill>
-                <a:srgbClr val="000000"/>
-              </a:solidFill>
-              <a:latin typeface="Arial"/>
-            </a:endParaRPr>
-          </a:p>
-          <a:p>
-            <a:pPr defTabSz="914400">
-              <a:lnSpc>
-                <a:spcPts val="3200"/>
-              </a:lnSpc>
-            </a:pPr>
-            <a:endParaRPr b="0" lang="pt-BR" sz="3200" spc="-1" strike="noStrike">
-              <a:solidFill>
-                <a:srgbClr val="000000"/>
-              </a:solidFill>
-              <a:latin typeface="Arial"/>
-            </a:endParaRPr>
-          </a:p>
-          <a:p>
-            <a:pPr defTabSz="914400">
-              <a:lnSpc>
-                <a:spcPts val="3200"/>
-              </a:lnSpc>
-            </a:pPr>
-            <a:r>
-              <a:rPr b="0" lang="en-US" sz="3200" spc="-1" strike="noStrike">
-                <a:solidFill>
-                  <a:srgbClr val="000000"/>
-                </a:solidFill>
-                <a:latin typeface="Formata 1"/>
-                <a:ea typeface="Formata 1"/>
-              </a:rPr>
-              <a:t>3) Parâmetros:</a:t>
-            </a:r>
-            <a:endParaRPr b="0" lang="pt-BR" sz="3200" spc="-1" strike="noStrike">
-              <a:solidFill>
-                <a:srgbClr val="000000"/>
-              </a:solidFill>
-              <a:latin typeface="Arial"/>
-            </a:endParaRPr>
-          </a:p>
-          <a:p>
-            <a:pPr defTabSz="914400">
-              <a:lnSpc>
-                <a:spcPts val="3200"/>
-              </a:lnSpc>
-            </a:pPr>
-            <a:endParaRPr b="0" lang="pt-BR" sz="3200" spc="-1" strike="noStrike">
-              <a:solidFill>
-                <a:srgbClr val="000000"/>
-              </a:solidFill>
-              <a:latin typeface="Arial"/>
-            </a:endParaRPr>
-          </a:p>
-          <a:p>
-            <a:pPr defTabSz="914400">
-              <a:lnSpc>
-                <a:spcPts val="3200"/>
-              </a:lnSpc>
-            </a:pPr>
-            <a:r>
-              <a:rPr b="0" lang="en-US" sz="3200" spc="-1" strike="noStrike">
-                <a:solidFill>
-                  <a:srgbClr val="000000"/>
-                </a:solidFill>
-                <a:latin typeface="Formata 1"/>
-                <a:ea typeface="Formata 1"/>
-              </a:rPr>
-              <a:t>     </a:t>
-            </a:r>
-            <a:r>
-              <a:rPr b="0" lang="en-US" sz="3200" spc="-1" strike="noStrike">
-                <a:solidFill>
-                  <a:srgbClr val="000000"/>
-                </a:solidFill>
-                <a:latin typeface="Formata 1"/>
-                <a:ea typeface="Formata 1"/>
-              </a:rPr>
-              <a:t>Milhões até trilhões de parâmetros → custo alto!(memória, processamento,             energia)</a:t>
-            </a:r>
-            <a:endParaRPr b="0" lang="pt-BR" sz="3200" spc="-1" strike="noStrike">
-              <a:solidFill>
-                <a:srgbClr val="000000"/>
-              </a:solidFill>
-              <a:latin typeface="Arial"/>
-            </a:endParaRPr>
-          </a:p>
-          <a:p>
-            <a:pPr defTabSz="914400">
-              <a:lnSpc>
-                <a:spcPts val="3200"/>
-              </a:lnSpc>
-            </a:pPr>
-            <a:endParaRPr b="0" lang="pt-BR" sz="3200" spc="-1" strike="noStrike">
-              <a:solidFill>
-                <a:srgbClr val="000000"/>
-              </a:solidFill>
-              <a:latin typeface="Arial"/>
-            </a:endParaRPr>
-          </a:p>
-          <a:p>
-            <a:endParaRPr b="0" lang="pt-BR" sz="1800" spc="-1" strike="noStrike">
-              <a:solidFill>
-                <a:srgbClr val="000000"/>
-              </a:solidFill>
-              <a:latin typeface="Arial"/>
-            </a:endParaRPr>
-          </a:p>
-          <a:p>
-            <a:pPr defTabSz="914400">
-              <a:lnSpc>
-                <a:spcPts val="3200"/>
-              </a:lnSpc>
-            </a:pPr>
+              <a:t>2) </a:t>
+            </a:r>
             <a:endParaRPr b="0" lang="pt-BR" sz="3200" spc="-1" strike="noStrike">
               <a:solidFill>
                 <a:srgbClr val="000000"/>
@@ -9896,7 +9787,7 @@
 </p:sld>
 </file>
 
-<file path=ppt/slides/slide4.xml><?xml version="1.0" encoding="utf-8"?>
+<file path=ppt/slides/slide5.xml><?xml version="1.0" encoding="utf-8"?>
 <p:sld xmlns:a="http://schemas.openxmlformats.org/drawingml/2006/main" xmlns:p="http://schemas.openxmlformats.org/presentationml/2006/main" xmlns:r="http://schemas.openxmlformats.org/officeDocument/2006/relationships" xmlns:p14="http://schemas.microsoft.com/office/powerpoint/2010/main" xmlns:p15="http://schemas.microsoft.com/office/powerpoint/2012/main" xmlns:mc="http://schemas.openxmlformats.org/markup-compatibility/2006">
   <p:cSld>
     <p:spTree>
@@ -9915,7 +9806,7 @@
       </p:grpSpPr>
       <p:grpSp>
         <p:nvGrpSpPr>
-          <p:cNvPr id="100" name="Group 7"/>
+          <p:cNvPr id="113" name="Group 1"/>
           <p:cNvGrpSpPr/>
           <p:nvPr/>
         </p:nvGrpSpPr>
@@ -9929,7 +9820,7 @@
         </p:grpSpPr>
         <p:sp>
           <p:nvSpPr>
-            <p:cNvPr id="101" name="Freeform 31"/>
+            <p:cNvPr id="114" name="Freeform 1"/>
             <p:cNvSpPr/>
             <p:nvPr/>
           </p:nvSpPr>
@@ -9993,7 +9884,7 @@
         </p:sp>
         <p:sp>
           <p:nvSpPr>
-            <p:cNvPr id="102" name="TextBox 25"/>
+            <p:cNvPr id="115" name="TextBox 1"/>
             <p:cNvSpPr/>
             <p:nvPr/>
           </p:nvSpPr>
@@ -10048,7 +9939,7 @@
       </p:grpSp>
       <p:sp>
         <p:nvSpPr>
-          <p:cNvPr id="103" name="Freeform 32"/>
+          <p:cNvPr id="116" name="Freeform 2"/>
           <p:cNvSpPr/>
           <p:nvPr/>
         </p:nvSpPr>
@@ -10125,7 +10016,7 @@
       </p:sp>
       <p:sp>
         <p:nvSpPr>
-          <p:cNvPr id="104" name="Freeform 33"/>
+          <p:cNvPr id="117" name="Freeform 4"/>
           <p:cNvSpPr/>
           <p:nvPr/>
         </p:nvSpPr>
@@ -10196,7 +10087,7 @@
       </p:sp>
       <p:sp>
         <p:nvSpPr>
-          <p:cNvPr id="105" name="Freeform 34"/>
+          <p:cNvPr id="118" name="Freeform 8"/>
           <p:cNvSpPr/>
           <p:nvPr/>
         </p:nvSpPr>
@@ -10267,7 +10158,7 @@
       </p:sp>
       <p:sp>
         <p:nvSpPr>
-          <p:cNvPr id="106" name="TextBox 26"/>
+          <p:cNvPr id="119" name="TextBox 2"/>
           <p:cNvSpPr/>
           <p:nvPr/>
         </p:nvSpPr>
@@ -10321,7 +10212,7 @@
       </p:sp>
       <p:sp>
         <p:nvSpPr>
-          <p:cNvPr id="107" name="TextBox 27"/>
+          <p:cNvPr id="120" name="TextBox 3"/>
           <p:cNvSpPr/>
           <p:nvPr/>
         </p:nvSpPr>
@@ -10360,7 +10251,7 @@
       </p:sp>
       <p:sp>
         <p:nvSpPr>
-          <p:cNvPr id="108" name="TextBox 28"/>
+          <p:cNvPr id="121" name="TextBox 5"/>
           <p:cNvSpPr/>
           <p:nvPr/>
         </p:nvSpPr>
@@ -10437,7 +10328,7 @@
       </p:sp>
       <p:sp>
         <p:nvSpPr>
-          <p:cNvPr id="109" name="Freeform 35"/>
+          <p:cNvPr id="122" name="Freeform 9"/>
           <p:cNvSpPr/>
           <p:nvPr/>
         </p:nvSpPr>
@@ -10508,7 +10399,7 @@
       </p:sp>
       <p:pic>
         <p:nvPicPr>
-          <p:cNvPr id="110" name="" descr=""/>
+          <p:cNvPr id="123" name="" descr=""/>
           <p:cNvPicPr/>
           <p:nvPr/>
         </p:nvPicPr>
@@ -10518,8 +10409,8 @@
         </p:blipFill>
         <p:spPr>
           <a:xfrm>
-            <a:off x="1028880" y="3369960"/>
-            <a:ext cx="7314840" cy="4114440"/>
+            <a:off x="650160" y="3420000"/>
+            <a:ext cx="4749840" cy="4072320"/>
           </a:xfrm>
           <a:prstGeom prst="rect">
             <a:avLst/>
@@ -10529,16 +10420,62 @@
           </a:ln>
         </p:spPr>
       </p:pic>
-      <p:sp>
-        <p:nvSpPr>
-          <p:cNvPr id="111" name=""/>
+      <p:pic>
+        <p:nvPicPr>
+          <p:cNvPr id="124" name="" descr=""/>
+          <p:cNvPicPr/>
+          <p:nvPr/>
+        </p:nvPicPr>
+        <p:blipFill>
+          <a:blip r:embed="rId7"/>
+          <a:stretch/>
+        </p:blipFill>
+        <p:spPr>
+          <a:xfrm>
+            <a:off x="6660000" y="3426120"/>
+            <a:ext cx="4860000" cy="4133880"/>
+          </a:xfrm>
+          <a:prstGeom prst="rect">
+            <a:avLst/>
+          </a:prstGeom>
+          <a:ln w="0">
+            <a:noFill/>
+          </a:ln>
+        </p:spPr>
+      </p:pic>
+      <p:pic>
+        <p:nvPicPr>
+          <p:cNvPr id="125" name="" descr=""/>
+          <p:cNvPicPr/>
+          <p:nvPr/>
+        </p:nvPicPr>
+        <p:blipFill>
+          <a:blip r:embed="rId8"/>
+          <a:stretch/>
+        </p:blipFill>
+        <p:spPr>
+          <a:xfrm>
+            <a:off x="12420000" y="3420000"/>
+            <a:ext cx="4867200" cy="4140000"/>
+          </a:xfrm>
+          <a:prstGeom prst="rect">
+            <a:avLst/>
+          </a:prstGeom>
+          <a:ln w="0">
+            <a:noFill/>
+          </a:ln>
+        </p:spPr>
+      </p:pic>
+      <p:sp>
+        <p:nvSpPr>
+          <p:cNvPr id="126" name=""/>
           <p:cNvSpPr txBox="1"/>
           <p:nvPr/>
         </p:nvSpPr>
         <p:spPr>
           <a:xfrm>
-            <a:off x="9180000" y="3420000"/>
-            <a:ext cx="8100000" cy="4140000"/>
+            <a:off x="900000" y="7920000"/>
+            <a:ext cx="4680000" cy="540000"/>
           </a:xfrm>
           <a:prstGeom prst="rect">
             <a:avLst/>
@@ -10566,7 +10503,7 @@
                 <a:latin typeface="Formata 1"/>
                 <a:ea typeface="Formata 1"/>
               </a:rPr>
-              <a:t>1) </a:t>
+              <a:t>Tokenização do input</a:t>
             </a:r>
             <a:endParaRPr b="0" lang="pt-BR" sz="3200" spc="-1" strike="noStrike">
               <a:solidFill>
@@ -10575,25 +10512,32 @@
               <a:latin typeface="Arial"/>
             </a:endParaRPr>
           </a:p>
-          <a:p>
-            <a:pPr defTabSz="914400">
-              <a:lnSpc>
-                <a:spcPts val="3200"/>
-              </a:lnSpc>
-            </a:pPr>
-            <a:endParaRPr b="0" lang="pt-BR" sz="3200" spc="-1" strike="noStrike">
-              <a:solidFill>
-                <a:srgbClr val="000000"/>
-              </a:solidFill>
-              <a:latin typeface="Arial"/>
-            </a:endParaRPr>
-          </a:p>
-          <a:p>
-            <a:pPr defTabSz="914400">
-              <a:lnSpc>
-                <a:spcPts val="3200"/>
-              </a:lnSpc>
-            </a:pPr>
+        </p:txBody>
+      </p:sp>
+      <p:sp>
+        <p:nvSpPr>
+          <p:cNvPr id="127" name=""/>
+          <p:cNvSpPr txBox="1"/>
+          <p:nvPr/>
+        </p:nvSpPr>
+        <p:spPr>
+          <a:xfrm>
+            <a:off x="6930000" y="7815960"/>
+            <a:ext cx="4230000" cy="644040"/>
+          </a:xfrm>
+          <a:prstGeom prst="rect">
+            <a:avLst/>
+          </a:prstGeom>
+          <a:noFill/>
+          <a:ln w="0">
+            <a:noFill/>
+          </a:ln>
+        </p:spPr>
+        <p:txBody>
+          <a:bodyPr lIns="90000" rIns="90000" tIns="45000" bIns="45000" anchor="t">
+            <a:noAutofit/>
+          </a:bodyPr>
+          <a:p>
             <a:r>
               <a:rPr b="0" lang="en-US" sz="3200" spc="-1" strike="noStrike">
                 <a:solidFill>
@@ -10602,7 +10546,60 @@
                 <a:latin typeface="Formata 1"/>
                 <a:ea typeface="Formata 1"/>
               </a:rPr>
-              <a:t>2) </a:t>
+              <a:t>   </a:t>
+            </a:r>
+            <a:r>
+              <a:rPr b="0" lang="en-US" sz="3200" spc="-1" strike="noStrike">
+                <a:solidFill>
+                  <a:srgbClr val="000000"/>
+                </a:solidFill>
+                <a:latin typeface="Formata 1"/>
+                <a:ea typeface="Formata 1"/>
+              </a:rPr>
+              <a:t>Token embedding</a:t>
+            </a:r>
+            <a:endParaRPr b="0" lang="pt-BR" sz="3200" spc="-1" strike="noStrike">
+              <a:solidFill>
+                <a:srgbClr val="000000"/>
+              </a:solidFill>
+              <a:latin typeface="Arial"/>
+            </a:endParaRPr>
+          </a:p>
+        </p:txBody>
+      </p:sp>
+      <p:sp>
+        <p:nvSpPr>
+          <p:cNvPr id="128" name=""/>
+          <p:cNvSpPr txBox="1"/>
+          <p:nvPr/>
+        </p:nvSpPr>
+        <p:spPr>
+          <a:xfrm>
+            <a:off x="12690000" y="7815960"/>
+            <a:ext cx="4410000" cy="644040"/>
+          </a:xfrm>
+          <a:prstGeom prst="rect">
+            <a:avLst/>
+          </a:prstGeom>
+          <a:noFill/>
+          <a:ln w="0">
+            <a:noFill/>
+          </a:ln>
+        </p:spPr>
+        <p:txBody>
+          <a:bodyPr lIns="90000" rIns="90000" tIns="45000" bIns="45000" anchor="t">
+            <a:noAutofit/>
+          </a:bodyPr>
+          <a:p>
+            <a:r>
+              <a:rPr b="0" lang="en-US" sz="3200" spc="-1" strike="noStrike">
+                <a:solidFill>
+                  <a:srgbClr val="000000"/>
+                </a:solidFill>
+                <a:latin typeface="Formata 1"/>
+                <a:ea typeface="Formata 1"/>
+              </a:rPr>
+              <a:t>Positional embedding</a:t>
             </a:r>
             <a:endParaRPr b="0" lang="pt-BR" sz="3200" spc="-1" strike="noStrike">
               <a:solidFill>
@@ -10626,7 +10623,7 @@
 </p:sld>
 </file>
 
-<file path=ppt/slides/slide5.xml><?xml version="1.0" encoding="utf-8"?>
+<file path=ppt/slides/slide6.xml><?xml version="1.0" encoding="utf-8"?>
 <p:sld xmlns:a="http://schemas.openxmlformats.org/drawingml/2006/main" xmlns:p="http://schemas.openxmlformats.org/presentationml/2006/main" xmlns:r="http://schemas.openxmlformats.org/officeDocument/2006/relationships" xmlns:p14="http://schemas.microsoft.com/office/powerpoint/2010/main" xmlns:p15="http://schemas.microsoft.com/office/powerpoint/2012/main" xmlns:mc="http://schemas.openxmlformats.org/markup-compatibility/2006">
   <p:cSld>
     <p:spTree>
@@ -10645,7 +10642,7 @@
       </p:grpSpPr>
       <p:grpSp>
         <p:nvGrpSpPr>
-          <p:cNvPr id="112" name="Group 1"/>
+          <p:cNvPr id="129" name="Group 8"/>
           <p:cNvGrpSpPr/>
           <p:nvPr/>
         </p:nvGrpSpPr>
@@ -10659,7 +10656,7 @@
         </p:grpSpPr>
         <p:sp>
           <p:nvSpPr>
-            <p:cNvPr id="113" name="Freeform 1"/>
+            <p:cNvPr id="130" name="Freeform 36"/>
             <p:cNvSpPr/>
             <p:nvPr/>
           </p:nvSpPr>
@@ -10723,7 +10720,7 @@
         </p:sp>
         <p:sp>
           <p:nvSpPr>
-            <p:cNvPr id="114" name="TextBox 1"/>
+            <p:cNvPr id="131" name="TextBox 29"/>
             <p:cNvSpPr/>
             <p:nvPr/>
           </p:nvSpPr>
@@ -10778,7 +10775,7 @@
       </p:grpSp>
       <p:sp>
         <p:nvSpPr>
-          <p:cNvPr id="115" name="Freeform 2"/>
+          <p:cNvPr id="132" name="Freeform 37"/>
           <p:cNvSpPr/>
           <p:nvPr/>
         </p:nvSpPr>
@@ -10855,7 +10852,7 @@
       </p:sp>
       <p:sp>
         <p:nvSpPr>
-          <p:cNvPr id="116" name="Freeform 4"/>
+          <p:cNvPr id="133" name="Freeform 38"/>
           <p:cNvSpPr/>
           <p:nvPr/>
         </p:nvSpPr>
@@ -10926,7 +10923,7 @@
       </p:sp>
       <p:sp>
         <p:nvSpPr>
-          <p:cNvPr id="117" name="Freeform 8"/>
+          <p:cNvPr id="134" name="Freeform 39"/>
           <p:cNvSpPr/>
           <p:nvPr/>
         </p:nvSpPr>
@@ -10997,7 +10994,7 @@
       </p:sp>
       <p:sp>
         <p:nvSpPr>
-          <p:cNvPr id="118" name="TextBox 2"/>
+          <p:cNvPr id="135" name="TextBox 30"/>
           <p:cNvSpPr/>
           <p:nvPr/>
         </p:nvSpPr>
@@ -11038,7 +11035,7 @@
                 <a:latin typeface="Formata 2 Medium"/>
                 <a:ea typeface="Formata 2 Medium"/>
               </a:rPr>
-              <a:t>Visualização:</a:t>
+              <a:t>Desvendando os Transformers:</a:t>
             </a:r>
             <a:endParaRPr b="0" lang="pt-BR" sz="5200" spc="-1" strike="noStrike">
               <a:solidFill>
@@ -11051,7 +11048,7 @@
       </p:sp>
       <p:sp>
         <p:nvSpPr>
-          <p:cNvPr id="119" name="TextBox 3"/>
+          <p:cNvPr id="136" name="TextBox 31"/>
           <p:cNvSpPr/>
           <p:nvPr/>
         </p:nvSpPr>
@@ -11090,7 +11087,7 @@
       </p:sp>
       <p:sp>
         <p:nvSpPr>
-          <p:cNvPr id="120" name="TextBox 5"/>
+          <p:cNvPr id="137" name="TextBox 32"/>
           <p:cNvSpPr/>
           <p:nvPr/>
         </p:nvSpPr>
@@ -11167,7 +11164,7 @@
       </p:sp>
       <p:sp>
         <p:nvSpPr>
-          <p:cNvPr id="121" name="Freeform 9"/>
+          <p:cNvPr id="138" name="Freeform 40"/>
           <p:cNvSpPr/>
           <p:nvPr/>
         </p:nvSpPr>
@@ -11236,9 +11233,93 @@
           </a:p>
         </p:txBody>
       </p:sp>
+      <p:sp>
+        <p:nvSpPr>
+          <p:cNvPr id="139" name=""/>
+          <p:cNvSpPr txBox="1"/>
+          <p:nvPr/>
+        </p:nvSpPr>
+        <p:spPr>
+          <a:xfrm>
+            <a:off x="9180000" y="3420000"/>
+            <a:ext cx="8100000" cy="4140000"/>
+          </a:xfrm>
+          <a:prstGeom prst="rect">
+            <a:avLst/>
+          </a:prstGeom>
+          <a:noFill/>
+          <a:ln w="0">
+            <a:noFill/>
+          </a:ln>
+        </p:spPr>
+        <p:txBody>
+          <a:bodyPr lIns="90000" rIns="90000" tIns="45000" bIns="45000" anchor="t">
+            <a:noAutofit/>
+          </a:bodyPr>
+          <a:p>
+            <a:pPr defTabSz="914400">
+              <a:lnSpc>
+                <a:spcPts val="3200"/>
+              </a:lnSpc>
+            </a:pPr>
+            <a:r>
+              <a:rPr b="0" lang="en-US" sz="3200" spc="-1" strike="noStrike">
+                <a:solidFill>
+                  <a:srgbClr val="000000"/>
+                </a:solidFill>
+                <a:latin typeface="Formata 1"/>
+                <a:ea typeface="Formata 1"/>
+              </a:rPr>
+              <a:t>1) </a:t>
+            </a:r>
+            <a:endParaRPr b="0" lang="pt-BR" sz="3200" spc="-1" strike="noStrike">
+              <a:solidFill>
+                <a:srgbClr val="000000"/>
+              </a:solidFill>
+              <a:latin typeface="Arial"/>
+            </a:endParaRPr>
+          </a:p>
+          <a:p>
+            <a:pPr defTabSz="914400">
+              <a:lnSpc>
+                <a:spcPts val="3200"/>
+              </a:lnSpc>
+            </a:pPr>
+            <a:endParaRPr b="0" lang="pt-BR" sz="3200" spc="-1" strike="noStrike">
+              <a:solidFill>
+                <a:srgbClr val="000000"/>
+              </a:solidFill>
+              <a:latin typeface="Arial"/>
+            </a:endParaRPr>
+          </a:p>
+          <a:p>
+            <a:pPr defTabSz="914400">
+              <a:lnSpc>
+                <a:spcPts val="3200"/>
+              </a:lnSpc>
+            </a:pPr>
+            <a:r>
+              <a:rPr b="0" lang="en-US" sz="3200" spc="-1" strike="noStrike">
+                <a:solidFill>
+                  <a:srgbClr val="000000"/>
+                </a:solidFill>
+                <a:latin typeface="Formata 1"/>
+                <a:ea typeface="Formata 1"/>
+              </a:rPr>
+              <a:t>2) </a:t>
+            </a:r>
+            <a:endParaRPr b="0" lang="pt-BR" sz="3200" spc="-1" strike="noStrike">
+              <a:solidFill>
+                <a:srgbClr val="000000"/>
+              </a:solidFill>
+              <a:latin typeface="Arial"/>
+            </a:endParaRPr>
+          </a:p>
+        </p:txBody>
+      </p:sp>
       <p:pic>
         <p:nvPicPr>
-          <p:cNvPr id="122" name="" descr=""/>
+          <p:cNvPr id="140" name="" descr=""/>
           <p:cNvPicPr/>
           <p:nvPr/>
         </p:nvPicPr>
@@ -11248,8 +11329,8 @@
         </p:blipFill>
         <p:spPr>
           <a:xfrm>
-            <a:off x="650160" y="3420000"/>
-            <a:ext cx="4749840" cy="4072320"/>
+            <a:off x="900000" y="3420000"/>
+            <a:ext cx="7560000" cy="4219560"/>
           </a:xfrm>
           <a:prstGeom prst="rect">
             <a:avLst/>
@@ -11259,110 +11340,6 @@
           </a:ln>
         </p:spPr>
       </p:pic>
-      <p:pic>
-        <p:nvPicPr>
-          <p:cNvPr id="123" name="" descr=""/>
-          <p:cNvPicPr/>
-          <p:nvPr/>
-        </p:nvPicPr>
-        <p:blipFill>
-          <a:blip r:embed="rId7"/>
-          <a:stretch/>
-        </p:blipFill>
-        <p:spPr>
-          <a:xfrm>
-            <a:off x="6660000" y="3426120"/>
-            <a:ext cx="4860000" cy="4133880"/>
-          </a:xfrm>
-          <a:prstGeom prst="rect">
-            <a:avLst/>
-          </a:prstGeom>
-          <a:ln w="0">
-            <a:noFill/>
-          </a:ln>
-        </p:spPr>
-      </p:pic>
-      <p:pic>
-        <p:nvPicPr>
-          <p:cNvPr id="124" name="" descr=""/>
-          <p:cNvPicPr/>
-          <p:nvPr/>
-        </p:nvPicPr>
-        <p:blipFill>
-          <a:blip r:embed="rId8"/>
-          <a:stretch/>
-        </p:blipFill>
-        <p:spPr>
-          <a:xfrm>
-            <a:off x="12420000" y="3420000"/>
-            <a:ext cx="4867200" cy="4140000"/>
-          </a:xfrm>
-          <a:prstGeom prst="rect">
-            <a:avLst/>
-          </a:prstGeom>
-          <a:ln w="0">
-            <a:noFill/>
-          </a:ln>
-        </p:spPr>
-      </p:pic>
-      <p:sp>
-        <p:nvSpPr>
-          <p:cNvPr id="125" name=""/>
-          <p:cNvSpPr txBox="1"/>
-          <p:nvPr/>
-        </p:nvSpPr>
-        <p:spPr>
-          <a:xfrm>
-            <a:off x="900000" y="7920000"/>
-            <a:ext cx="16200000" cy="689040"/>
-          </a:xfrm>
-          <a:prstGeom prst="rect">
-            <a:avLst/>
-          </a:prstGeom>
-          <a:noFill/>
-          <a:ln w="0">
-            <a:noFill/>
-          </a:ln>
-        </p:spPr>
-        <p:txBody>
-          <a:bodyPr lIns="90000" rIns="90000" tIns="45000" bIns="45000" anchor="t">
-            <a:noAutofit/>
-          </a:bodyPr>
-          <a:p>
-            <a:pPr defTabSz="914400">
-              <a:lnSpc>
-                <a:spcPts val="3200"/>
-              </a:lnSpc>
-            </a:pPr>
-            <a:r>
-              <a:rPr b="0" lang="en-US" sz="3200" spc="-1" strike="noStrike">
-                <a:solidFill>
-                  <a:srgbClr val="000000"/>
-                </a:solidFill>
-                <a:latin typeface="Formata 1"/>
-                <a:ea typeface="Formata 1"/>
-              </a:rPr>
-              <a:t> </a:t>
-            </a:r>
-            <a:r>
-              <a:rPr b="0" lang="en-US" sz="3200" spc="-1" strike="noStrike">
-                <a:solidFill>
-                  <a:srgbClr val="000000"/>
-                </a:solidFill>
-                <a:latin typeface="Formata 1"/>
-                <a:ea typeface="Formata 1"/>
-              </a:rPr>
-              <a:t>tokenização do input                    token embedding                    positional embedding</a:t>
-            </a:r>
-            <a:endParaRPr b="0" lang="pt-BR" sz="3200" spc="-1" strike="noStrike">
-              <a:solidFill>
-                <a:srgbClr val="000000"/>
-              </a:solidFill>
-              <a:latin typeface="Arial"/>
-            </a:endParaRPr>
-          </a:p>
-        </p:txBody>
-      </p:sp>
     </p:spTree>
   </p:cSld>
   <mc:AlternateContent>
@@ -11376,7 +11353,7 @@
 </p:sld>
 </file>
 
-<file path=ppt/slides/slide6.xml><?xml version="1.0" encoding="utf-8"?>
+<file path=ppt/slides/slide7.xml><?xml version="1.0" encoding="utf-8"?>
 <p:sld xmlns:a="http://schemas.openxmlformats.org/drawingml/2006/main" xmlns:p="http://schemas.openxmlformats.org/presentationml/2006/main" xmlns:r="http://schemas.openxmlformats.org/officeDocument/2006/relationships" xmlns:p14="http://schemas.microsoft.com/office/powerpoint/2010/main" xmlns:p15="http://schemas.microsoft.com/office/powerpoint/2012/main" xmlns:mc="http://schemas.openxmlformats.org/markup-compatibility/2006">
   <p:cSld>
     <p:spTree>
@@ -11395,7 +11372,7 @@
       </p:grpSpPr>
       <p:grpSp>
         <p:nvGrpSpPr>
-          <p:cNvPr id="126" name="Group 8"/>
+          <p:cNvPr id="141" name="Group 5"/>
           <p:cNvGrpSpPr/>
           <p:nvPr/>
         </p:nvGrpSpPr>
@@ -11409,7 +11386,7 @@
         </p:grpSpPr>
         <p:sp>
           <p:nvSpPr>
-            <p:cNvPr id="127" name="Freeform 36"/>
+            <p:cNvPr id="142" name="Freeform 21"/>
             <p:cNvSpPr/>
             <p:nvPr/>
           </p:nvSpPr>
@@ -11473,7 +11450,7 @@
         </p:sp>
         <p:sp>
           <p:nvSpPr>
-            <p:cNvPr id="128" name="TextBox 29"/>
+            <p:cNvPr id="143" name="TextBox 17"/>
             <p:cNvSpPr/>
             <p:nvPr/>
           </p:nvSpPr>
@@ -11528,7 +11505,7 @@
       </p:grpSp>
       <p:sp>
         <p:nvSpPr>
-          <p:cNvPr id="129" name="Freeform 37"/>
+          <p:cNvPr id="144" name="Freeform 22"/>
           <p:cNvSpPr/>
           <p:nvPr/>
         </p:nvSpPr>
@@ -11605,7 +11582,7 @@
       </p:sp>
       <p:sp>
         <p:nvSpPr>
-          <p:cNvPr id="130" name="Freeform 38"/>
+          <p:cNvPr id="145" name="Freeform 23"/>
           <p:cNvSpPr/>
           <p:nvPr/>
         </p:nvSpPr>
@@ -11676,7 +11653,7 @@
       </p:sp>
       <p:sp>
         <p:nvSpPr>
-          <p:cNvPr id="131" name="Freeform 39"/>
+          <p:cNvPr id="146" name="Freeform 24"/>
           <p:cNvSpPr/>
           <p:nvPr/>
         </p:nvSpPr>
@@ -11747,7 +11724,7 @@
       </p:sp>
       <p:sp>
         <p:nvSpPr>
-          <p:cNvPr id="132" name="TextBox 30"/>
+          <p:cNvPr id="147" name="TextBox 18"/>
           <p:cNvSpPr/>
           <p:nvPr/>
         </p:nvSpPr>
@@ -11788,7 +11765,7 @@
                 <a:latin typeface="Formata 2 Medium"/>
                 <a:ea typeface="Formata 2 Medium"/>
               </a:rPr>
-              <a:t>Desvendando os Transformers:</a:t>
+              <a:t>Implementação prática de um transformer!</a:t>
             </a:r>
             <a:endParaRPr b="0" lang="pt-BR" sz="5200" spc="-1" strike="noStrike">
               <a:solidFill>
@@ -11801,7 +11778,7 @@
       </p:sp>
       <p:sp>
         <p:nvSpPr>
-          <p:cNvPr id="133" name="TextBox 31"/>
+          <p:cNvPr id="148" name="TextBox 19"/>
           <p:cNvSpPr/>
           <p:nvPr/>
         </p:nvSpPr>
@@ -11840,7 +11817,7 @@
       </p:sp>
       <p:sp>
         <p:nvSpPr>
-          <p:cNvPr id="134" name="TextBox 32"/>
+          <p:cNvPr id="149" name="TextBox 20"/>
           <p:cNvSpPr/>
           <p:nvPr/>
         </p:nvSpPr>
@@ -11917,7 +11894,7 @@
       </p:sp>
       <p:sp>
         <p:nvSpPr>
-          <p:cNvPr id="135" name="Freeform 40"/>
+          <p:cNvPr id="150" name="Freeform 25"/>
           <p:cNvSpPr/>
           <p:nvPr/>
         </p:nvSpPr>
@@ -11988,14 +11965,14 @@
       </p:sp>
       <p:sp>
         <p:nvSpPr>
-          <p:cNvPr id="136" name=""/>
+          <p:cNvPr id="151" name=""/>
           <p:cNvSpPr txBox="1"/>
           <p:nvPr/>
         </p:nvSpPr>
         <p:spPr>
           <a:xfrm>
-            <a:off x="9180000" y="3420000"/>
-            <a:ext cx="8100000" cy="4140000"/>
+            <a:off x="900000" y="3420000"/>
+            <a:ext cx="15891120" cy="5040000"/>
           </a:xfrm>
           <a:prstGeom prst="rect">
             <a:avLst/>
@@ -12023,34 +12000,8 @@
                 <a:latin typeface="Formata 1"/>
                 <a:ea typeface="Formata 1"/>
               </a:rPr>
-              <a:t>1) </a:t>
-            </a:r>
-            <a:endParaRPr b="0" lang="pt-BR" sz="3200" spc="-1" strike="noStrike">
-              <a:solidFill>
-                <a:srgbClr val="000000"/>
-              </a:solidFill>
-              <a:latin typeface="Arial"/>
-            </a:endParaRPr>
-          </a:p>
-          <a:p>
-            <a:pPr defTabSz="914400">
-              <a:lnSpc>
-                <a:spcPts val="3200"/>
-              </a:lnSpc>
-            </a:pPr>
-            <a:endParaRPr b="0" lang="pt-BR" sz="3200" spc="-1" strike="noStrike">
-              <a:solidFill>
-                <a:srgbClr val="000000"/>
-              </a:solidFill>
-              <a:latin typeface="Arial"/>
-            </a:endParaRPr>
-          </a:p>
-          <a:p>
-            <a:pPr defTabSz="914400">
-              <a:lnSpc>
-                <a:spcPts val="3200"/>
-              </a:lnSpc>
-            </a:pPr>
+              <a:t> </a:t>
+            </a:r>
             <a:r>
               <a:rPr b="0" lang="en-US" sz="3200" spc="-1" strike="noStrike">
                 <a:solidFill>
@@ -12058,8 +12009,9 @@
                 </a:solidFill>
                 <a:latin typeface="Formata 1"/>
                 <a:ea typeface="Formata 1"/>
-              </a:rPr>
-              <a:t>2) </a:t>
+                <a:hlinkClick r:id="rId6"/>
+              </a:rPr>
+              <a:t>https://github.com/gusfring41/Apresentacao-LLM-CIS</a:t>
             </a:r>
             <a:endParaRPr b="0" lang="pt-BR" sz="3200" spc="-1" strike="noStrike">
               <a:solidFill>
@@ -12068,31 +12020,21 @@
               <a:latin typeface="Arial"/>
             </a:endParaRPr>
           </a:p>
-        </p:txBody>
-      </p:sp>
-      <p:pic>
-        <p:nvPicPr>
-          <p:cNvPr id="137" name="" descr=""/>
-          <p:cNvPicPr/>
-          <p:nvPr/>
-        </p:nvPicPr>
-        <p:blipFill>
-          <a:blip r:embed="rId6"/>
-          <a:stretch/>
-        </p:blipFill>
-        <p:spPr>
-          <a:xfrm>
-            <a:off x="900000" y="3420000"/>
-            <a:ext cx="7560000" cy="4219560"/>
-          </a:xfrm>
-          <a:prstGeom prst="rect">
-            <a:avLst/>
-          </a:prstGeom>
-          <a:ln w="0">
-            <a:noFill/>
-          </a:ln>
-        </p:spPr>
-      </p:pic>
+          <a:p>
+            <a:pPr defTabSz="914400">
+              <a:lnSpc>
+                <a:spcPts val="3200"/>
+              </a:lnSpc>
+            </a:pPr>
+            <a:endParaRPr b="0" lang="pt-BR" sz="3200" spc="-1" strike="noStrike">
+              <a:solidFill>
+                <a:srgbClr val="000000"/>
+              </a:solidFill>
+              <a:latin typeface="Arial"/>
+            </a:endParaRPr>
+          </a:p>
+        </p:txBody>
+      </p:sp>
     </p:spTree>
   </p:cSld>
   <mc:AlternateContent>
@@ -12106,7 +12048,7 @@
 </p:sld>
 </file>
 
-<file path=ppt/slides/slide7.xml><?xml version="1.0" encoding="utf-8"?>
+<file path=ppt/slides/slide8.xml><?xml version="1.0" encoding="utf-8"?>
 <p:sld xmlns:a="http://schemas.openxmlformats.org/drawingml/2006/main" xmlns:p="http://schemas.openxmlformats.org/presentationml/2006/main" xmlns:r="http://schemas.openxmlformats.org/officeDocument/2006/relationships" xmlns:p14="http://schemas.microsoft.com/office/powerpoint/2010/main" xmlns:p15="http://schemas.microsoft.com/office/powerpoint/2012/main" xmlns:mc="http://schemas.openxmlformats.org/markup-compatibility/2006">
   <p:cSld>
     <p:spTree>
@@ -12125,7 +12067,7 @@
       </p:grpSpPr>
       <p:grpSp>
         <p:nvGrpSpPr>
-          <p:cNvPr id="138" name="Group 4"/>
+          <p:cNvPr id="152" name="Group 9"/>
           <p:cNvGrpSpPr/>
           <p:nvPr/>
         </p:nvGrpSpPr>
@@ -12139,7 +12081,7 @@
         </p:grpSpPr>
         <p:sp>
           <p:nvSpPr>
-            <p:cNvPr id="139" name="Freeform 16"/>
+            <p:cNvPr id="153" name="Freeform 41"/>
             <p:cNvSpPr/>
             <p:nvPr/>
           </p:nvSpPr>
@@ -12203,7 +12145,7 @@
         </p:sp>
         <p:sp>
           <p:nvSpPr>
-            <p:cNvPr id="140" name="TextBox 13"/>
+            <p:cNvPr id="154" name="TextBox 33"/>
             <p:cNvSpPr/>
             <p:nvPr/>
           </p:nvSpPr>
@@ -12258,7 +12200,7 @@
       </p:grpSp>
       <p:sp>
         <p:nvSpPr>
-          <p:cNvPr id="141" name="Freeform 17"/>
+          <p:cNvPr id="155" name="Freeform 42"/>
           <p:cNvSpPr/>
           <p:nvPr/>
         </p:nvSpPr>
@@ -12335,7 +12277,7 @@
       </p:sp>
       <p:sp>
         <p:nvSpPr>
-          <p:cNvPr id="142" name="Freeform 18"/>
+          <p:cNvPr id="156" name="Freeform 43"/>
           <p:cNvSpPr/>
           <p:nvPr/>
         </p:nvSpPr>
@@ -12406,7 +12348,7 @@
       </p:sp>
       <p:sp>
         <p:nvSpPr>
-          <p:cNvPr id="143" name="Freeform 19"/>
+          <p:cNvPr id="157" name="Freeform 44"/>
           <p:cNvSpPr/>
           <p:nvPr/>
         </p:nvSpPr>
@@ -12477,7 +12419,7 @@
       </p:sp>
       <p:sp>
         <p:nvSpPr>
-          <p:cNvPr id="144" name="TextBox 14"/>
+          <p:cNvPr id="158" name="TextBox 34"/>
           <p:cNvSpPr/>
           <p:nvPr/>
         </p:nvSpPr>
@@ -12518,7 +12460,7 @@
                 <a:latin typeface="Formata 2 Medium"/>
                 <a:ea typeface="Formata 2 Medium"/>
               </a:rPr>
-              <a:t>Desvendando os Transformers:</a:t>
+              <a:t>O que o futuro nos espera?</a:t>
             </a:r>
             <a:endParaRPr b="0" lang="pt-BR" sz="5200" spc="-1" strike="noStrike">
               <a:solidFill>
@@ -12531,7 +12473,7 @@
       </p:sp>
       <p:sp>
         <p:nvSpPr>
-          <p:cNvPr id="145" name="TextBox 15"/>
+          <p:cNvPr id="159" name="TextBox 35"/>
           <p:cNvSpPr/>
           <p:nvPr/>
         </p:nvSpPr>
@@ -12570,7 +12512,7 @@
       </p:sp>
       <p:sp>
         <p:nvSpPr>
-          <p:cNvPr id="146" name="TextBox 16"/>
+          <p:cNvPr id="160" name="TextBox 36"/>
           <p:cNvSpPr/>
           <p:nvPr/>
         </p:nvSpPr>
@@ -12647,7 +12589,7 @@
       </p:sp>
       <p:sp>
         <p:nvSpPr>
-          <p:cNvPr id="147" name="Freeform 20"/>
+          <p:cNvPr id="161" name="Freeform 45"/>
           <p:cNvSpPr/>
           <p:nvPr/>
         </p:nvSpPr>
@@ -12716,6 +12658,186 @@
           </a:p>
         </p:txBody>
       </p:sp>
+      <p:sp>
+        <p:nvSpPr>
+          <p:cNvPr id="162" name=""/>
+          <p:cNvSpPr txBox="1"/>
+          <p:nvPr/>
+        </p:nvSpPr>
+        <p:spPr>
+          <a:xfrm>
+            <a:off x="900000" y="3420000"/>
+            <a:ext cx="15891120" cy="5040000"/>
+          </a:xfrm>
+          <a:prstGeom prst="rect">
+            <a:avLst/>
+          </a:prstGeom>
+          <a:noFill/>
+          <a:ln w="0">
+            <a:noFill/>
+          </a:ln>
+        </p:spPr>
+        <p:txBody>
+          <a:bodyPr lIns="90000" rIns="90000" tIns="45000" bIns="45000" anchor="t">
+            <a:noAutofit/>
+          </a:bodyPr>
+          <a:p>
+            <a:pPr defTabSz="914400">
+              <a:lnSpc>
+                <a:spcPts val="3200"/>
+              </a:lnSpc>
+            </a:pPr>
+            <a:r>
+              <a:rPr b="0" lang="en-US" sz="3200" spc="-1" strike="noStrike">
+                <a:solidFill>
+                  <a:srgbClr val="000000"/>
+                </a:solidFill>
+                <a:latin typeface="Formata 1"/>
+                <a:ea typeface="Formata 1"/>
+              </a:rPr>
+              <a:t>1) </a:t>
+            </a:r>
+            <a:endParaRPr b="0" lang="pt-BR" sz="3200" spc="-1" strike="noStrike">
+              <a:solidFill>
+                <a:srgbClr val="000000"/>
+              </a:solidFill>
+              <a:latin typeface="Arial"/>
+            </a:endParaRPr>
+          </a:p>
+          <a:p>
+            <a:pPr defTabSz="914400">
+              <a:lnSpc>
+                <a:spcPts val="3200"/>
+              </a:lnSpc>
+            </a:pPr>
+            <a:endParaRPr b="0" lang="pt-BR" sz="3200" spc="-1" strike="noStrike">
+              <a:solidFill>
+                <a:srgbClr val="000000"/>
+              </a:solidFill>
+              <a:latin typeface="Arial"/>
+            </a:endParaRPr>
+          </a:p>
+          <a:p>
+            <a:endParaRPr b="0" lang="pt-BR" sz="1800" spc="-1" strike="noStrike">
+              <a:solidFill>
+                <a:srgbClr val="000000"/>
+              </a:solidFill>
+              <a:latin typeface="Arial"/>
+            </a:endParaRPr>
+          </a:p>
+          <a:p>
+            <a:pPr defTabSz="914400">
+              <a:lnSpc>
+                <a:spcPts val="3200"/>
+              </a:lnSpc>
+            </a:pPr>
+            <a:r>
+              <a:rPr b="0" lang="en-US" sz="3200" spc="-1" strike="noStrike">
+                <a:solidFill>
+                  <a:srgbClr val="000000"/>
+                </a:solidFill>
+                <a:latin typeface="Formata 1"/>
+                <a:ea typeface="Formata 1"/>
+              </a:rPr>
+              <a:t>2) </a:t>
+            </a:r>
+            <a:endParaRPr b="0" lang="pt-BR" sz="3200" spc="-1" strike="noStrike">
+              <a:solidFill>
+                <a:srgbClr val="000000"/>
+              </a:solidFill>
+              <a:latin typeface="Arial"/>
+            </a:endParaRPr>
+          </a:p>
+          <a:p>
+            <a:pPr defTabSz="914400">
+              <a:lnSpc>
+                <a:spcPts val="3200"/>
+              </a:lnSpc>
+            </a:pPr>
+            <a:endParaRPr b="0" lang="pt-BR" sz="3200" spc="-1" strike="noStrike">
+              <a:solidFill>
+                <a:srgbClr val="000000"/>
+              </a:solidFill>
+              <a:latin typeface="Arial"/>
+            </a:endParaRPr>
+          </a:p>
+          <a:p>
+            <a:endParaRPr b="0" lang="pt-BR" sz="1800" spc="-1" strike="noStrike">
+              <a:solidFill>
+                <a:srgbClr val="000000"/>
+              </a:solidFill>
+              <a:latin typeface="Arial"/>
+            </a:endParaRPr>
+          </a:p>
+          <a:p>
+            <a:pPr defTabSz="914400">
+              <a:lnSpc>
+                <a:spcPts val="3200"/>
+              </a:lnSpc>
+            </a:pPr>
+            <a:r>
+              <a:rPr b="0" lang="en-US" sz="3200" spc="-1" strike="noStrike">
+                <a:solidFill>
+                  <a:srgbClr val="000000"/>
+                </a:solidFill>
+                <a:latin typeface="Formata 1"/>
+                <a:ea typeface="Formata 1"/>
+              </a:rPr>
+              <a:t>3) </a:t>
+            </a:r>
+            <a:endParaRPr b="0" lang="pt-BR" sz="3200" spc="-1" strike="noStrike">
+              <a:solidFill>
+                <a:srgbClr val="000000"/>
+              </a:solidFill>
+              <a:latin typeface="Arial"/>
+            </a:endParaRPr>
+          </a:p>
+          <a:p>
+            <a:pPr defTabSz="914400">
+              <a:lnSpc>
+                <a:spcPts val="3200"/>
+              </a:lnSpc>
+            </a:pPr>
+            <a:endParaRPr b="0" lang="pt-BR" sz="3200" spc="-1" strike="noStrike">
+              <a:solidFill>
+                <a:srgbClr val="000000"/>
+              </a:solidFill>
+              <a:latin typeface="Arial"/>
+            </a:endParaRPr>
+          </a:p>
+          <a:p>
+            <a:endParaRPr b="0" lang="pt-BR" sz="1800" spc="-1" strike="noStrike">
+              <a:solidFill>
+                <a:srgbClr val="000000"/>
+              </a:solidFill>
+              <a:latin typeface="Arial"/>
+            </a:endParaRPr>
+          </a:p>
+          <a:p>
+            <a:pPr defTabSz="914400">
+              <a:lnSpc>
+                <a:spcPts val="3200"/>
+              </a:lnSpc>
+            </a:pPr>
+            <a:r>
+              <a:rPr b="0" lang="en-US" sz="3200" spc="-1" strike="noStrike">
+                <a:solidFill>
+                  <a:srgbClr val="000000"/>
+                </a:solidFill>
+                <a:latin typeface="Formata 1"/>
+                <a:ea typeface="Formata 1"/>
+              </a:rPr>
+              <a:t>4) </a:t>
+            </a:r>
+            <a:endParaRPr b="0" lang="pt-BR" sz="3200" spc="-1" strike="noStrike">
+              <a:solidFill>
+                <a:srgbClr val="000000"/>
+              </a:solidFill>
+              <a:latin typeface="Arial"/>
+            </a:endParaRPr>
+          </a:p>
+        </p:txBody>
+      </p:sp>
     </p:spTree>
   </p:cSld>
   <mc:AlternateContent>
@@ -12729,7 +12851,7 @@
 </p:sld>
 </file>
 
-<file path=ppt/slides/slide8.xml><?xml version="1.0" encoding="utf-8"?>
+<file path=ppt/slides/slide9.xml><?xml version="1.0" encoding="utf-8"?>
 <p:sld xmlns:a="http://schemas.openxmlformats.org/drawingml/2006/main" xmlns:p="http://schemas.openxmlformats.org/presentationml/2006/main" xmlns:r="http://schemas.openxmlformats.org/officeDocument/2006/relationships" xmlns:p14="http://schemas.microsoft.com/office/powerpoint/2010/main" xmlns:p15="http://schemas.microsoft.com/office/powerpoint/2012/main" xmlns:mc="http://schemas.openxmlformats.org/markup-compatibility/2006">
   <p:cSld>
     <p:spTree>
@@ -12748,7 +12870,7 @@
       </p:grpSpPr>
       <p:grpSp>
         <p:nvGrpSpPr>
-          <p:cNvPr id="148" name="Group 5"/>
+          <p:cNvPr id="163" name="Group 6"/>
           <p:cNvGrpSpPr/>
           <p:nvPr/>
         </p:nvGrpSpPr>
@@ -12762,7 +12884,7 @@
         </p:grpSpPr>
         <p:sp>
           <p:nvSpPr>
-            <p:cNvPr id="149" name="Freeform 21"/>
+            <p:cNvPr id="164" name="Freeform 26"/>
             <p:cNvSpPr/>
             <p:nvPr/>
           </p:nvSpPr>
@@ -12826,7 +12948,7 @@
         </p:sp>
         <p:sp>
           <p:nvSpPr>
-            <p:cNvPr id="150" name="TextBox 17"/>
+            <p:cNvPr id="165" name="TextBox 21"/>
             <p:cNvSpPr/>
             <p:nvPr/>
           </p:nvSpPr>
@@ -12881,7 +13003,7 @@
       </p:grpSp>
       <p:sp>
         <p:nvSpPr>
-          <p:cNvPr id="151" name="Freeform 22"/>
+          <p:cNvPr id="166" name="Freeform 27"/>
           <p:cNvSpPr/>
           <p:nvPr/>
         </p:nvSpPr>
@@ -12958,7 +13080,7 @@
       </p:sp>
       <p:sp>
         <p:nvSpPr>
-          <p:cNvPr id="152" name="Freeform 23"/>
+          <p:cNvPr id="167" name="Freeform 28"/>
           <p:cNvSpPr/>
           <p:nvPr/>
         </p:nvSpPr>
@@ -13029,7 +13151,7 @@
       </p:sp>
       <p:sp>
         <p:nvSpPr>
-          <p:cNvPr id="153" name="Freeform 24"/>
+          <p:cNvPr id="168" name="Freeform 29"/>
           <p:cNvSpPr/>
           <p:nvPr/>
         </p:nvSpPr>
@@ -13100,7 +13222,7 @@
       </p:sp>
       <p:sp>
         <p:nvSpPr>
-          <p:cNvPr id="154" name="TextBox 18"/>
+          <p:cNvPr id="169" name="TextBox 22"/>
           <p:cNvSpPr/>
           <p:nvPr/>
         </p:nvSpPr>
@@ -13141,7 +13263,7 @@
                 <a:latin typeface="Formata 2 Medium"/>
                 <a:ea typeface="Formata 2 Medium"/>
               </a:rPr>
-              <a:t>Implementação prática de um transformer!</a:t>
+              <a:t>Fontes:</a:t>
             </a:r>
             <a:endParaRPr b="0" lang="pt-BR" sz="5200" spc="-1" strike="noStrike">
               <a:solidFill>
@@ -13154,7 +13276,7 @@
       </p:sp>
       <p:sp>
         <p:nvSpPr>
-          <p:cNvPr id="155" name="TextBox 19"/>
+          <p:cNvPr id="170" name="TextBox 23"/>
           <p:cNvSpPr/>
           <p:nvPr/>
         </p:nvSpPr>
@@ -13193,7 +13315,7 @@
       </p:sp>
       <p:sp>
         <p:nvSpPr>
-          <p:cNvPr id="156" name="TextBox 20"/>
+          <p:cNvPr id="171" name="TextBox 24"/>
           <p:cNvSpPr/>
           <p:nvPr/>
         </p:nvSpPr>
@@ -13270,7 +13392,7 @@
       </p:sp>
       <p:sp>
         <p:nvSpPr>
-          <p:cNvPr id="157" name="Freeform 25"/>
+          <p:cNvPr id="172" name="Freeform 30"/>
           <p:cNvSpPr/>
           <p:nvPr/>
         </p:nvSpPr>
@@ -13341,7 +13463,7 @@
       </p:sp>
       <p:sp>
         <p:nvSpPr>
-          <p:cNvPr id="158" name=""/>
+          <p:cNvPr id="173" name=""/>
           <p:cNvSpPr txBox="1"/>
           <p:nvPr/>
         </p:nvSpPr>
@@ -13376,8 +13498,34 @@
                 <a:latin typeface="Formata 1"/>
                 <a:ea typeface="Formata 1"/>
               </a:rPr>
-              <a:t> </a:t>
-            </a:r>
+              <a:t>1) https://arxiv.org/abs/1706.03762</a:t>
+            </a:r>
+            <a:endParaRPr b="0" lang="pt-BR" sz="3200" spc="-1" strike="noStrike">
+              <a:solidFill>
+                <a:srgbClr val="000000"/>
+              </a:solidFill>
+              <a:latin typeface="Arial"/>
+            </a:endParaRPr>
+          </a:p>
+          <a:p>
+            <a:pPr defTabSz="914400">
+              <a:lnSpc>
+                <a:spcPts val="3200"/>
+              </a:lnSpc>
+            </a:pPr>
+            <a:endParaRPr b="0" lang="pt-BR" sz="3200" spc="-1" strike="noStrike">
+              <a:solidFill>
+                <a:srgbClr val="000000"/>
+              </a:solidFill>
+              <a:latin typeface="Arial"/>
+            </a:endParaRPr>
+          </a:p>
+          <a:p>
+            <a:pPr defTabSz="914400">
+              <a:lnSpc>
+                <a:spcPts val="3200"/>
+              </a:lnSpc>
+            </a:pPr>
             <a:r>
               <a:rPr b="0" lang="en-US" sz="3200" spc="-1" strike="noStrike">
                 <a:solidFill>
@@ -13385,9 +13533,8 @@
                 </a:solidFill>
                 <a:latin typeface="Formata 1"/>
                 <a:ea typeface="Formata 1"/>
-                <a:hlinkClick r:id="rId6"/>
-              </a:rPr>
-              <a:t>https://github.com/gusfring41/Apresentacao-LLM-CIS</a:t>
+              </a:rPr>
+              <a:t>2) https://learnopencv.com/deciphering-llms/</a:t>
             </a:r>
             <a:endParaRPr b="0" lang="pt-BR" sz="3200" spc="-1" strike="noStrike">
               <a:solidFill>
@@ -13409,654 +13556,6 @@
               <a:latin typeface="Arial"/>
             </a:endParaRPr>
           </a:p>
-        </p:txBody>
-      </p:sp>
-    </p:spTree>
-  </p:cSld>
-  <mc:AlternateContent>
-    <mc:Choice Requires="p14">
-      <p:transition spd="slow" p14:dur="2000"/>
-    </mc:Choice>
-    <mc:Fallback>
-      <p:transition spd="slow"/>
-    </mc:Fallback>
-  </mc:AlternateContent>
-</p:sld>
-</file>
-
-<file path=ppt/slides/slide9.xml><?xml version="1.0" encoding="utf-8"?>
-<p:sld xmlns:a="http://schemas.openxmlformats.org/drawingml/2006/main" xmlns:p="http://schemas.openxmlformats.org/presentationml/2006/main" xmlns:r="http://schemas.openxmlformats.org/officeDocument/2006/relationships" xmlns:p14="http://schemas.microsoft.com/office/powerpoint/2010/main" xmlns:p15="http://schemas.microsoft.com/office/powerpoint/2012/main" xmlns:mc="http://schemas.openxmlformats.org/markup-compatibility/2006">
-  <p:cSld>
-    <p:spTree>
-      <p:nvGrpSpPr>
-        <p:cNvPr id="1" name=""/>
-        <p:cNvGrpSpPr/>
-        <p:nvPr/>
-      </p:nvGrpSpPr>
-      <p:grpSpPr>
-        <a:xfrm>
-          <a:off x="0" y="0"/>
-          <a:ext cx="0" cy="0"/>
-          <a:chOff x="0" y="0"/>
-          <a:chExt cx="0" cy="0"/>
-        </a:xfrm>
-      </p:grpSpPr>
-      <p:grpSp>
-        <p:nvGrpSpPr>
-          <p:cNvPr id="159" name="Group 9"/>
-          <p:cNvGrpSpPr/>
-          <p:nvPr/>
-        </p:nvGrpSpPr>
-        <p:grpSpPr>
-          <a:xfrm>
-            <a:off x="1028880" y="9170640"/>
-            <a:ext cx="2446200" cy="765360"/>
-            <a:chOff x="1028880" y="9170640"/>
-            <a:chExt cx="2446200" cy="765360"/>
-          </a:xfrm>
-        </p:grpSpPr>
-        <p:sp>
-          <p:nvSpPr>
-            <p:cNvPr id="160" name="Freeform 41"/>
-            <p:cNvSpPr/>
-            <p:nvPr/>
-          </p:nvSpPr>
-          <p:spPr>
-            <a:xfrm>
-              <a:off x="1028880" y="9416880"/>
-              <a:ext cx="2446200" cy="519120"/>
-            </a:xfrm>
-            <a:custGeom>
-              <a:avLst/>
-              <a:gdLst>
-                <a:gd name="textAreaLeft" fmla="*/ 0 w 2446200"/>
-                <a:gd name="textAreaRight" fmla="*/ 2446560 w 2446200"/>
-                <a:gd name="textAreaTop" fmla="*/ 0 h 519120"/>
-                <a:gd name="textAreaBottom" fmla="*/ 519480 h 519120"/>
-              </a:gdLst>
-              <a:ahLst/>
-              <a:rect l="textAreaLeft" t="textAreaTop" r="textAreaRight" b="textAreaBottom"/>
-              <a:pathLst>
-                <a:path w="852865" h="181021">
-                  <a:moveTo>
-                    <a:pt x="0" y="0"/>
-                  </a:moveTo>
-                  <a:lnTo>
-                    <a:pt x="852865" y="0"/>
-                  </a:lnTo>
-                  <a:lnTo>
-                    <a:pt x="852865" y="181021"/>
-                  </a:lnTo>
-                  <a:lnTo>
-                    <a:pt x="0" y="181021"/>
-                  </a:lnTo>
-                  <a:close/>
-                </a:path>
-              </a:pathLst>
-            </a:custGeom>
-            <a:noFill/>
-            <a:ln w="0">
-              <a:noFill/>
-            </a:ln>
-          </p:spPr>
-          <p:style>
-            <a:lnRef idx="0"/>
-            <a:fillRef idx="0"/>
-            <a:effectRef idx="0"/>
-            <a:fontRef idx="minor"/>
-          </p:style>
-          <p:txBody>
-            <a:bodyPr lIns="90000" rIns="90000" tIns="45000" bIns="45000" anchor="t">
-              <a:noAutofit/>
-            </a:bodyPr>
-            <a:p>
-              <a:endParaRPr b="0" lang="pt-BR" sz="1800" spc="-1" strike="noStrike">
-                <a:solidFill>
-                  <a:srgbClr val="ffffff"/>
-                </a:solidFill>
-                <a:latin typeface="Arial"/>
-              </a:endParaRPr>
-            </a:p>
-          </p:txBody>
-        </p:sp>
-        <p:sp>
-          <p:nvSpPr>
-            <p:cNvPr id="161" name="TextBox 33"/>
-            <p:cNvSpPr/>
-            <p:nvPr/>
-          </p:nvSpPr>
-          <p:spPr>
-            <a:xfrm>
-              <a:off x="1028880" y="9170640"/>
-              <a:ext cx="2446200" cy="765000"/>
-            </a:xfrm>
-            <a:prstGeom prst="rect">
-              <a:avLst/>
-            </a:prstGeom>
-            <a:noFill/>
-            <a:ln w="0">
-              <a:noFill/>
-            </a:ln>
-          </p:spPr>
-          <p:style>
-            <a:lnRef idx="0"/>
-            <a:fillRef idx="0"/>
-            <a:effectRef idx="0"/>
-            <a:fontRef idx="minor"/>
-          </p:style>
-          <p:txBody>
-            <a:bodyPr lIns="50760" rIns="50760" tIns="50760" bIns="50760" anchor="t">
-              <a:noAutofit/>
-            </a:bodyPr>
-            <a:p>
-              <a:pPr defTabSz="914400">
-                <a:lnSpc>
-                  <a:spcPts val="3078"/>
-                </a:lnSpc>
-              </a:pPr>
-              <a:r>
-                <a:rPr b="1" lang="en-US" sz="2200" spc="-1" strike="noStrike">
-                  <a:solidFill>
-                    <a:srgbClr val="000000"/>
-                  </a:solidFill>
-                  <a:latin typeface="Calibri (MS) Bold"/>
-                  <a:ea typeface="Calibri (MS) Bold"/>
-                </a:rPr>
-                <a:t>www.ieee.org</a:t>
-              </a:r>
-              <a:endParaRPr b="0" lang="pt-BR" sz="2200" spc="-1" strike="noStrike">
-                <a:solidFill>
-                  <a:srgbClr val="000000"/>
-                </a:solidFill>
-                <a:latin typeface="Arial"/>
-              </a:endParaRPr>
-            </a:p>
-          </p:txBody>
-        </p:sp>
-      </p:grpSp>
-      <p:sp>
-        <p:nvSpPr>
-          <p:cNvPr id="162" name="Freeform 42"/>
-          <p:cNvSpPr/>
-          <p:nvPr/>
-        </p:nvSpPr>
-        <p:spPr>
-          <a:xfrm>
-            <a:off x="528840" y="8609040"/>
-            <a:ext cx="17230320" cy="556560"/>
-          </a:xfrm>
-          <a:custGeom>
-            <a:avLst/>
-            <a:gdLst>
-              <a:gd name="textAreaLeft" fmla="*/ 0 w 17230320"/>
-              <a:gd name="textAreaRight" fmla="*/ 17230680 w 17230320"/>
-              <a:gd name="textAreaTop" fmla="*/ 0 h 556560"/>
-              <a:gd name="textAreaBottom" fmla="*/ 556920 h 556560"/>
-            </a:gdLst>
-            <a:ahLst/>
-            <a:rect l="textAreaLeft" t="textAreaTop" r="textAreaRight" b="textAreaBottom"/>
-            <a:pathLst>
-              <a:path w="17230649" h="556825">
-                <a:moveTo>
-                  <a:pt x="0" y="0"/>
-                </a:moveTo>
-                <a:lnTo>
-                  <a:pt x="17230650" y="0"/>
-                </a:lnTo>
-                <a:lnTo>
-                  <a:pt x="17230650" y="556825"/>
-                </a:lnTo>
-                <a:lnTo>
-                  <a:pt x="0" y="556825"/>
-                </a:lnTo>
-                <a:lnTo>
-                  <a:pt x="0" y="0"/>
-                </a:lnTo>
-                <a:close/>
-              </a:path>
-            </a:pathLst>
-          </a:custGeom>
-          <a:blipFill rotWithShape="0">
-            <a:blip r:embed="rId1">
-              <a:extLst>
-                <a:ext uri="{96DAC541-7B7A-43D3-8B79-37D633B846F1}">
-                  <asvg:svgBlip xmlns:asvg="http://schemas.microsoft.com/office/drawing/2016/SVG/main" r:embed="rId2"/>
-                </a:ext>
-              </a:extLst>
-            </a:blip>
-            <a:srcRect/>
-            <a:stretch/>
-          </a:blipFill>
-          <a:ln w="0">
-            <a:noFill/>
-          </a:ln>
-        </p:spPr>
-        <p:style>
-          <a:lnRef idx="0"/>
-          <a:fillRef idx="0"/>
-          <a:effectRef idx="0"/>
-          <a:fontRef idx="minor"/>
-        </p:style>
-        <p:txBody>
-          <a:bodyPr lIns="90000" rIns="90000" tIns="45000" bIns="45000" anchor="t">
-            <a:noAutofit/>
-          </a:bodyPr>
-          <a:p>
-            <a:endParaRPr b="0" lang="pt-BR" sz="1800" spc="-1" strike="noStrike">
-              <a:solidFill>
-                <a:srgbClr val="000000"/>
-              </a:solidFill>
-              <a:latin typeface="Arial"/>
-            </a:endParaRPr>
-          </a:p>
-        </p:txBody>
-      </p:sp>
-      <p:sp>
-        <p:nvSpPr>
-          <p:cNvPr id="163" name="Freeform 43"/>
-          <p:cNvSpPr/>
-          <p:nvPr/>
-        </p:nvSpPr>
-        <p:spPr>
-          <a:xfrm>
-            <a:off x="15356520" y="9341280"/>
-            <a:ext cx="1902240" cy="594360"/>
-          </a:xfrm>
-          <a:custGeom>
-            <a:avLst/>
-            <a:gdLst>
-              <a:gd name="textAreaLeft" fmla="*/ 0 w 1902240"/>
-              <a:gd name="textAreaRight" fmla="*/ 1902600 w 1902240"/>
-              <a:gd name="textAreaTop" fmla="*/ 0 h 594360"/>
-              <a:gd name="textAreaBottom" fmla="*/ 594720 h 594360"/>
-            </a:gdLst>
-            <a:ahLst/>
-            <a:rect l="textAreaLeft" t="textAreaTop" r="textAreaRight" b="textAreaBottom"/>
-            <a:pathLst>
-              <a:path w="1902683" h="594588">
-                <a:moveTo>
-                  <a:pt x="0" y="0"/>
-                </a:moveTo>
-                <a:lnTo>
-                  <a:pt x="1902683" y="0"/>
-                </a:lnTo>
-                <a:lnTo>
-                  <a:pt x="1902683" y="594588"/>
-                </a:lnTo>
-                <a:lnTo>
-                  <a:pt x="0" y="594588"/>
-                </a:lnTo>
-                <a:lnTo>
-                  <a:pt x="0" y="0"/>
-                </a:lnTo>
-                <a:close/>
-              </a:path>
-            </a:pathLst>
-          </a:custGeom>
-          <a:blipFill rotWithShape="0">
-            <a:blip r:embed="rId3"/>
-            <a:srcRect/>
-            <a:stretch/>
-          </a:blipFill>
-          <a:ln w="0">
-            <a:noFill/>
-          </a:ln>
-        </p:spPr>
-        <p:style>
-          <a:lnRef idx="0"/>
-          <a:fillRef idx="0"/>
-          <a:effectRef idx="0"/>
-          <a:fontRef idx="minor"/>
-        </p:style>
-        <p:txBody>
-          <a:bodyPr lIns="90000" rIns="90000" tIns="45000" bIns="45000" anchor="t">
-            <a:noAutofit/>
-          </a:bodyPr>
-          <a:p>
-            <a:endParaRPr b="0" lang="pt-BR" sz="1800" spc="-1" strike="noStrike">
-              <a:solidFill>
-                <a:srgbClr val="000000"/>
-              </a:solidFill>
-              <a:latin typeface="Arial"/>
-            </a:endParaRPr>
-          </a:p>
-        </p:txBody>
-      </p:sp>
-      <p:sp>
-        <p:nvSpPr>
-          <p:cNvPr id="164" name="Freeform 44"/>
-          <p:cNvSpPr/>
-          <p:nvPr/>
-        </p:nvSpPr>
-        <p:spPr>
-          <a:xfrm>
-            <a:off x="528840" y="1028880"/>
-            <a:ext cx="17230320" cy="584280"/>
-          </a:xfrm>
-          <a:custGeom>
-            <a:avLst/>
-            <a:gdLst>
-              <a:gd name="textAreaLeft" fmla="*/ 0 w 17230320"/>
-              <a:gd name="textAreaRight" fmla="*/ 17230680 w 17230320"/>
-              <a:gd name="textAreaTop" fmla="*/ 0 h 584280"/>
-              <a:gd name="textAreaBottom" fmla="*/ 584640 h 584280"/>
-            </a:gdLst>
-            <a:ahLst/>
-            <a:rect l="textAreaLeft" t="textAreaTop" r="textAreaRight" b="textAreaBottom"/>
-            <a:pathLst>
-              <a:path w="17230649" h="584691">
-                <a:moveTo>
-                  <a:pt x="0" y="0"/>
-                </a:moveTo>
-                <a:lnTo>
-                  <a:pt x="17230650" y="0"/>
-                </a:lnTo>
-                <a:lnTo>
-                  <a:pt x="17230650" y="584691"/>
-                </a:lnTo>
-                <a:lnTo>
-                  <a:pt x="0" y="584691"/>
-                </a:lnTo>
-                <a:lnTo>
-                  <a:pt x="0" y="0"/>
-                </a:lnTo>
-                <a:close/>
-              </a:path>
-            </a:pathLst>
-          </a:custGeom>
-          <a:blipFill rotWithShape="0">
-            <a:blip r:embed="rId4"/>
-            <a:srcRect/>
-            <a:stretch/>
-          </a:blipFill>
-          <a:ln w="0">
-            <a:noFill/>
-          </a:ln>
-        </p:spPr>
-        <p:style>
-          <a:lnRef idx="0"/>
-          <a:fillRef idx="0"/>
-          <a:effectRef idx="0"/>
-          <a:fontRef idx="minor"/>
-        </p:style>
-        <p:txBody>
-          <a:bodyPr lIns="90000" rIns="90000" tIns="45000" bIns="45000" anchor="t">
-            <a:noAutofit/>
-          </a:bodyPr>
-          <a:p>
-            <a:endParaRPr b="0" lang="pt-BR" sz="1800" spc="-1" strike="noStrike">
-              <a:solidFill>
-                <a:srgbClr val="000000"/>
-              </a:solidFill>
-              <a:latin typeface="Arial"/>
-            </a:endParaRPr>
-          </a:p>
-        </p:txBody>
-      </p:sp>
-      <p:sp>
-        <p:nvSpPr>
-          <p:cNvPr id="165" name="TextBox 34"/>
-          <p:cNvSpPr/>
-          <p:nvPr/>
-        </p:nvSpPr>
-        <p:spPr>
-          <a:xfrm>
-            <a:off x="1028880" y="1778040"/>
-            <a:ext cx="16230240" cy="924120"/>
-          </a:xfrm>
-          <a:prstGeom prst="rect">
-            <a:avLst/>
-          </a:prstGeom>
-          <a:noFill/>
-          <a:ln w="0">
-            <a:noFill/>
-          </a:ln>
-        </p:spPr>
-        <p:style>
-          <a:lnRef idx="0"/>
-          <a:fillRef idx="0"/>
-          <a:effectRef idx="0"/>
-          <a:fontRef idx="minor"/>
-        </p:style>
-        <p:txBody>
-          <a:bodyPr lIns="0" rIns="0" tIns="0" bIns="0" anchor="t">
-            <a:spAutoFit/>
-          </a:bodyPr>
-          <a:p>
-            <a:pPr defTabSz="914400">
-              <a:lnSpc>
-                <a:spcPts val="7279"/>
-              </a:lnSpc>
-            </a:pPr>
-            <a:r>
-              <a:rPr b="1" lang="en-US" sz="5200" spc="-1" strike="noStrike">
-                <a:solidFill>
-                  <a:srgbClr val="000000"/>
-                </a:solidFill>
-                <a:latin typeface="Formata 2 Medium"/>
-                <a:ea typeface="Formata 2 Medium"/>
-              </a:rPr>
-              <a:t>O que o futuro nos espera?</a:t>
-            </a:r>
-            <a:endParaRPr b="0" lang="pt-BR" sz="5200" spc="-1" strike="noStrike">
-              <a:solidFill>
-                <a:srgbClr val="000000"/>
-              </a:solidFill>
-              <a:latin typeface="Arial"/>
-            </a:endParaRPr>
-          </a:p>
-        </p:txBody>
-      </p:sp>
-      <p:sp>
-        <p:nvSpPr>
-          <p:cNvPr id="166" name="TextBox 35"/>
-          <p:cNvSpPr/>
-          <p:nvPr/>
-        </p:nvSpPr>
-        <p:spPr>
-          <a:xfrm>
-            <a:off x="1028880" y="3369960"/>
-            <a:ext cx="6324480" cy="406800"/>
-          </a:xfrm>
-          <a:prstGeom prst="rect">
-            <a:avLst/>
-          </a:prstGeom>
-          <a:noFill/>
-          <a:ln w="0">
-            <a:noFill/>
-          </a:ln>
-        </p:spPr>
-        <p:style>
-          <a:lnRef idx="0"/>
-          <a:fillRef idx="0"/>
-          <a:effectRef idx="0"/>
-          <a:fontRef idx="minor"/>
-        </p:style>
-        <p:txBody>
-          <a:bodyPr lIns="0" rIns="0" tIns="0" bIns="0" anchor="t">
-            <a:spAutoFit/>
-          </a:bodyPr>
-          <a:p>
-            <a:endParaRPr b="0" lang="pt-BR" sz="1800" spc="-1" strike="noStrike">
-              <a:solidFill>
-                <a:srgbClr val="000000"/>
-              </a:solidFill>
-              <a:latin typeface="Arial"/>
-            </a:endParaRPr>
-          </a:p>
-        </p:txBody>
-      </p:sp>
-      <p:sp>
-        <p:nvSpPr>
-          <p:cNvPr id="167" name="TextBox 36"/>
-          <p:cNvSpPr/>
-          <p:nvPr/>
-        </p:nvSpPr>
-        <p:spPr>
-          <a:xfrm>
-            <a:off x="14026680" y="336600"/>
-            <a:ext cx="3732120" cy="1345320"/>
-          </a:xfrm>
-          <a:prstGeom prst="rect">
-            <a:avLst/>
-          </a:prstGeom>
-          <a:noFill/>
-          <a:ln w="0">
-            <a:noFill/>
-          </a:ln>
-        </p:spPr>
-        <p:style>
-          <a:lnRef idx="0"/>
-          <a:fillRef idx="0"/>
-          <a:effectRef idx="0"/>
-          <a:fontRef idx="minor"/>
-        </p:style>
-        <p:txBody>
-          <a:bodyPr lIns="0" rIns="0" tIns="0" bIns="0" anchor="t">
-            <a:spAutoFit/>
-          </a:bodyPr>
-          <a:p>
-            <a:pPr defTabSz="914400">
-              <a:lnSpc>
-                <a:spcPts val="3784"/>
-              </a:lnSpc>
-            </a:pPr>
-            <a:r>
-              <a:rPr b="1" lang="en-US" sz="2700" spc="-1" strike="noStrike">
-                <a:solidFill>
-                  <a:srgbClr val="00629b"/>
-                </a:solidFill>
-                <a:latin typeface="Roboto Bold"/>
-                <a:ea typeface="Roboto Bold"/>
-              </a:rPr>
-              <a:t>Universidade de Brasília</a:t>
-            </a:r>
-            <a:endParaRPr b="0" lang="pt-BR" sz="2700" spc="-1" strike="noStrike">
-              <a:solidFill>
-                <a:srgbClr val="000000"/>
-              </a:solidFill>
-              <a:latin typeface="Arial"/>
-            </a:endParaRPr>
-          </a:p>
-          <a:p>
-            <a:pPr defTabSz="914400">
-              <a:lnSpc>
-                <a:spcPts val="3027"/>
-              </a:lnSpc>
-            </a:pPr>
-            <a:r>
-              <a:rPr b="0" lang="en-US" sz="2170" spc="-1" strike="noStrike">
-                <a:solidFill>
-                  <a:srgbClr val="00629b"/>
-                </a:solidFill>
-                <a:latin typeface="Roboto"/>
-                <a:ea typeface="Roboto"/>
-              </a:rPr>
-              <a:t>IEEE Student Branch</a:t>
-            </a:r>
-            <a:endParaRPr b="0" lang="pt-BR" sz="2170" spc="-1" strike="noStrike">
-              <a:solidFill>
-                <a:srgbClr val="000000"/>
-              </a:solidFill>
-              <a:latin typeface="Arial"/>
-            </a:endParaRPr>
-          </a:p>
-        </p:txBody>
-      </p:sp>
-      <p:sp>
-        <p:nvSpPr>
-          <p:cNvPr id="168" name="Freeform 45"/>
-          <p:cNvSpPr/>
-          <p:nvPr/>
-        </p:nvSpPr>
-        <p:spPr>
-          <a:xfrm>
-            <a:off x="690120" y="184680"/>
-            <a:ext cx="2952000" cy="1206360"/>
-          </a:xfrm>
-          <a:custGeom>
-            <a:avLst/>
-            <a:gdLst>
-              <a:gd name="textAreaLeft" fmla="*/ 0 w 2952000"/>
-              <a:gd name="textAreaRight" fmla="*/ 2952360 w 2952000"/>
-              <a:gd name="textAreaTop" fmla="*/ 0 h 1206360"/>
-              <a:gd name="textAreaBottom" fmla="*/ 1206720 h 1206360"/>
-            </a:gdLst>
-            <a:ahLst/>
-            <a:rect l="textAreaLeft" t="textAreaTop" r="textAreaRight" b="textAreaBottom"/>
-            <a:pathLst>
-              <a:path w="2952356" h="1206576">
-                <a:moveTo>
-                  <a:pt x="0" y="0"/>
-                </a:moveTo>
-                <a:lnTo>
-                  <a:pt x="2952356" y="0"/>
-                </a:lnTo>
-                <a:lnTo>
-                  <a:pt x="2952356" y="1206577"/>
-                </a:lnTo>
-                <a:lnTo>
-                  <a:pt x="0" y="1206577"/>
-                </a:lnTo>
-                <a:lnTo>
-                  <a:pt x="0" y="0"/>
-                </a:lnTo>
-                <a:close/>
-              </a:path>
-            </a:pathLst>
-          </a:custGeom>
-          <a:blipFill rotWithShape="0">
-            <a:blip r:embed="rId5"/>
-            <a:srcRect/>
-            <a:stretch/>
-          </a:blipFill>
-          <a:ln w="0">
-            <a:noFill/>
-          </a:ln>
-        </p:spPr>
-        <p:style>
-          <a:lnRef idx="0"/>
-          <a:fillRef idx="0"/>
-          <a:effectRef idx="0"/>
-          <a:fontRef idx="minor"/>
-        </p:style>
-        <p:txBody>
-          <a:bodyPr lIns="90000" rIns="90000" tIns="45000" bIns="45000" anchor="t">
-            <a:noAutofit/>
-          </a:bodyPr>
-          <a:p>
-            <a:endParaRPr b="0" lang="pt-BR" sz="1800" spc="-1" strike="noStrike">
-              <a:solidFill>
-                <a:srgbClr val="000000"/>
-              </a:solidFill>
-              <a:latin typeface="Arial"/>
-            </a:endParaRPr>
-          </a:p>
-        </p:txBody>
-      </p:sp>
-      <p:sp>
-        <p:nvSpPr>
-          <p:cNvPr id="169" name=""/>
-          <p:cNvSpPr txBox="1"/>
-          <p:nvPr/>
-        </p:nvSpPr>
-        <p:spPr>
-          <a:xfrm>
-            <a:off x="900000" y="3420000"/>
-            <a:ext cx="15891120" cy="5040000"/>
-          </a:xfrm>
-          <a:prstGeom prst="rect">
-            <a:avLst/>
-          </a:prstGeom>
-          <a:noFill/>
-          <a:ln w="0">
-            <a:noFill/>
-          </a:ln>
-        </p:spPr>
-        <p:txBody>
-          <a:bodyPr lIns="90000" rIns="90000" tIns="45000" bIns="45000" anchor="t">
-            <a:noAutofit/>
-          </a:bodyPr>
           <a:p>
             <a:pPr defTabSz="914400">
               <a:lnSpc>
@@ -14071,7 +13570,7 @@
                 <a:latin typeface="Formata 1"/>
                 <a:ea typeface="Formata 1"/>
               </a:rPr>
-              <a:t>1) </a:t>
+              <a:t>3)</a:t>
             </a:r>
             <a:endParaRPr b="0" lang="pt-BR" sz="3200" spc="-1" strike="noStrike">
               <a:solidFill>
@@ -14087,14 +13586,6 @@
               </a:lnSpc>
             </a:pPr>
             <a:endParaRPr b="0" lang="pt-BR" sz="3200" spc="-1" strike="noStrike">
-              <a:solidFill>
-                <a:srgbClr val="000000"/>
-              </a:solidFill>
-              <a:latin typeface="Arial"/>
-            </a:endParaRPr>
-          </a:p>
-          <a:p>
-            <a:endParaRPr b="0" lang="pt-BR" sz="1800" spc="-1" strike="noStrike">
               <a:solidFill>
                 <a:srgbClr val="000000"/>
               </a:solidFill>
@@ -14115,7 +13606,7 @@
                 <a:latin typeface="Formata 1"/>
                 <a:ea typeface="Formata 1"/>
               </a:rPr>
-              <a:t>2) </a:t>
+              <a:t>4)</a:t>
             </a:r>
             <a:endParaRPr b="0" lang="pt-BR" sz="3200" spc="-1" strike="noStrike">
               <a:solidFill>
@@ -14131,14 +13622,6 @@
               </a:lnSpc>
             </a:pPr>
             <a:endParaRPr b="0" lang="pt-BR" sz="3200" spc="-1" strike="noStrike">
-              <a:solidFill>
-                <a:srgbClr val="000000"/>
-              </a:solidFill>
-              <a:latin typeface="Arial"/>
-            </a:endParaRPr>
-          </a:p>
-          <a:p>
-            <a:endParaRPr b="0" lang="pt-BR" sz="1800" spc="-1" strike="noStrike">
               <a:solidFill>
                 <a:srgbClr val="000000"/>
               </a:solidFill>
@@ -14159,7 +13642,7 @@
                 <a:latin typeface="Formata 1"/>
                 <a:ea typeface="Formata 1"/>
               </a:rPr>
-              <a:t>3) </a:t>
+              <a:t>5)</a:t>
             </a:r>
             <a:endParaRPr b="0" lang="pt-BR" sz="3200" spc="-1" strike="noStrike">
               <a:solidFill>
@@ -14174,37 +13657,6 @@
                 <a:spcPts val="3200"/>
               </a:lnSpc>
             </a:pPr>
-            <a:endParaRPr b="0" lang="pt-BR" sz="3200" spc="-1" strike="noStrike">
-              <a:solidFill>
-                <a:srgbClr val="000000"/>
-              </a:solidFill>
-              <a:latin typeface="Arial"/>
-            </a:endParaRPr>
-          </a:p>
-          <a:p>
-            <a:endParaRPr b="0" lang="pt-BR" sz="1800" spc="-1" strike="noStrike">
-              <a:solidFill>
-                <a:srgbClr val="000000"/>
-              </a:solidFill>
-              <a:latin typeface="Arial"/>
-            </a:endParaRPr>
-          </a:p>
-          <a:p>
-            <a:pPr defTabSz="914400">
-              <a:lnSpc>
-                <a:spcPts val="3200"/>
-              </a:lnSpc>
-            </a:pPr>
-            <a:r>
-              <a:rPr b="0" lang="en-US" sz="3200" spc="-1" strike="noStrike">
-                <a:solidFill>
-                  <a:srgbClr val="000000"/>
-                </a:solidFill>
-                <a:latin typeface="Formata 1"/>
-                <a:ea typeface="Formata 1"/>
-              </a:rPr>
-              <a:t>4) </a:t>
-            </a:r>
             <a:endParaRPr b="0" lang="pt-BR" sz="3200" spc="-1" strike="noStrike">
               <a:solidFill>
                 <a:srgbClr val="000000"/>
